--- a/doc/Icons-HighlightLab.pptx
+++ b/doc/Icons-HighlightLab.pptx
@@ -221,7 +221,7 @@
           <a:p>
             <a:fld id="{6699ACB9-486C-4D62-A3A7-AF98E13EFDA3}" type="datetimeFigureOut">
               <a:rPr lang="en-US" smtClean="0"/>
-              <a:t>6/6/2017</a:t>
+              <a:t>6/13/2017</a:t>
             </a:fld>
             <a:endParaRPr lang="en-US"/>
           </a:p>
@@ -752,7 +752,7 @@
             <a:fld id="{1D8BD707-D9CF-40AE-B4C6-C98DA3205C09}" type="datetimeFigureOut">
               <a:rPr lang="en-US" smtClean="0"/>
               <a:pPr/>
-              <a:t>6/6/2017</a:t>
+              <a:t>6/13/2017</a:t>
             </a:fld>
             <a:endParaRPr lang="en-US"/>
           </a:p>
@@ -917,7 +917,7 @@
             <a:fld id="{1D8BD707-D9CF-40AE-B4C6-C98DA3205C09}" type="datetimeFigureOut">
               <a:rPr lang="en-US" smtClean="0"/>
               <a:pPr/>
-              <a:t>6/6/2017</a:t>
+              <a:t>6/13/2017</a:t>
             </a:fld>
             <a:endParaRPr lang="en-US"/>
           </a:p>
@@ -1092,7 +1092,7 @@
             <a:fld id="{1D8BD707-D9CF-40AE-B4C6-C98DA3205C09}" type="datetimeFigureOut">
               <a:rPr lang="en-US" smtClean="0"/>
               <a:pPr/>
-              <a:t>6/6/2017</a:t>
+              <a:t>6/13/2017</a:t>
             </a:fld>
             <a:endParaRPr lang="en-US"/>
           </a:p>
@@ -1257,7 +1257,7 @@
             <a:fld id="{1D8BD707-D9CF-40AE-B4C6-C98DA3205C09}" type="datetimeFigureOut">
               <a:rPr lang="en-US" smtClean="0"/>
               <a:pPr/>
-              <a:t>6/6/2017</a:t>
+              <a:t>6/13/2017</a:t>
             </a:fld>
             <a:endParaRPr lang="en-US"/>
           </a:p>
@@ -1499,7 +1499,7 @@
             <a:fld id="{1D8BD707-D9CF-40AE-B4C6-C98DA3205C09}" type="datetimeFigureOut">
               <a:rPr lang="en-US" smtClean="0"/>
               <a:pPr/>
-              <a:t>6/6/2017</a:t>
+              <a:t>6/13/2017</a:t>
             </a:fld>
             <a:endParaRPr lang="en-US"/>
           </a:p>
@@ -1781,7 +1781,7 @@
             <a:fld id="{1D8BD707-D9CF-40AE-B4C6-C98DA3205C09}" type="datetimeFigureOut">
               <a:rPr lang="en-US" smtClean="0"/>
               <a:pPr/>
-              <a:t>6/6/2017</a:t>
+              <a:t>6/13/2017</a:t>
             </a:fld>
             <a:endParaRPr lang="en-US"/>
           </a:p>
@@ -2197,7 +2197,7 @@
             <a:fld id="{1D8BD707-D9CF-40AE-B4C6-C98DA3205C09}" type="datetimeFigureOut">
               <a:rPr lang="en-US" smtClean="0"/>
               <a:pPr/>
-              <a:t>6/6/2017</a:t>
+              <a:t>6/13/2017</a:t>
             </a:fld>
             <a:endParaRPr lang="en-US"/>
           </a:p>
@@ -2311,7 +2311,7 @@
             <a:fld id="{1D8BD707-D9CF-40AE-B4C6-C98DA3205C09}" type="datetimeFigureOut">
               <a:rPr lang="en-US" smtClean="0"/>
               <a:pPr/>
-              <a:t>6/6/2017</a:t>
+              <a:t>6/13/2017</a:t>
             </a:fld>
             <a:endParaRPr lang="en-US"/>
           </a:p>
@@ -2403,7 +2403,7 @@
             <a:fld id="{1D8BD707-D9CF-40AE-B4C6-C98DA3205C09}" type="datetimeFigureOut">
               <a:rPr lang="en-US" smtClean="0"/>
               <a:pPr/>
-              <a:t>6/6/2017</a:t>
+              <a:t>6/13/2017</a:t>
             </a:fld>
             <a:endParaRPr lang="en-US"/>
           </a:p>
@@ -2675,7 +2675,7 @@
             <a:fld id="{1D8BD707-D9CF-40AE-B4C6-C98DA3205C09}" type="datetimeFigureOut">
               <a:rPr lang="en-US" smtClean="0"/>
               <a:pPr/>
-              <a:t>6/6/2017</a:t>
+              <a:t>6/13/2017</a:t>
             </a:fld>
             <a:endParaRPr lang="en-US"/>
           </a:p>
@@ -2924,7 +2924,7 @@
             <a:fld id="{1D8BD707-D9CF-40AE-B4C6-C98DA3205C09}" type="datetimeFigureOut">
               <a:rPr lang="en-US" smtClean="0"/>
               <a:pPr/>
-              <a:t>6/6/2017</a:t>
+              <a:t>6/13/2017</a:t>
             </a:fld>
             <a:endParaRPr lang="en-US"/>
           </a:p>
@@ -3132,7 +3132,7 @@
             <a:fld id="{1D8BD707-D9CF-40AE-B4C6-C98DA3205C09}" type="datetimeFigureOut">
               <a:rPr lang="en-US" smtClean="0"/>
               <a:pPr/>
-              <a:t>6/6/2017</a:t>
+              <a:t>6/13/2017</a:t>
             </a:fld>
             <a:endParaRPr lang="en-US"/>
           </a:p>
@@ -3620,7 +3620,7 @@
       </p:sp>
       <p:grpSp>
         <p:nvGrpSpPr>
-          <p:cNvPr id="87" name="Group 86"/>
+          <p:cNvPr id="3" name="Group 2"/>
           <p:cNvGrpSpPr/>
           <p:nvPr/>
         </p:nvGrpSpPr>
@@ -3628,7 +3628,7 @@
           <a:xfrm>
             <a:off x="7388219" y="3434456"/>
             <a:ext cx="838200" cy="838200"/>
-            <a:chOff x="3200400" y="2361045"/>
+            <a:chOff x="7388219" y="3434456"/>
             <a:chExt cx="838200" cy="838200"/>
           </a:xfrm>
         </p:grpSpPr>
@@ -3640,8 +3640,8 @@
           </p:nvGrpSpPr>
           <p:grpSpPr>
             <a:xfrm>
-              <a:off x="3247174" y="2432490"/>
-              <a:ext cx="741789" cy="559065"/>
+              <a:off x="7434993" y="3505901"/>
+              <a:ext cx="741789" cy="690650"/>
               <a:chOff x="3247174" y="2432490"/>
               <a:chExt cx="741789" cy="559065"/>
             </a:xfrm>
@@ -4022,7 +4022,7 @@
           </p:nvSpPr>
           <p:spPr>
             <a:xfrm>
-              <a:off x="3200400" y="2361045"/>
+              <a:off x="7388219" y="3434456"/>
               <a:ext cx="838200" cy="838200"/>
             </a:xfrm>
             <a:prstGeom prst="rect">
@@ -4091,15 +4091,15 @@
       </p:sp>
       <p:grpSp>
         <p:nvGrpSpPr>
-          <p:cNvPr id="125" name="Group 124"/>
+          <p:cNvPr id="8" name="Group 7"/>
           <p:cNvGrpSpPr/>
           <p:nvPr/>
         </p:nvGrpSpPr>
         <p:grpSpPr>
           <a:xfrm>
-            <a:off x="7375109" y="2180446"/>
+            <a:off x="5303120" y="3428248"/>
             <a:ext cx="838200" cy="838200"/>
-            <a:chOff x="3187290" y="1107035"/>
+            <a:chOff x="5303120" y="3428248"/>
             <a:chExt cx="838200" cy="838200"/>
           </a:xfrm>
         </p:grpSpPr>
@@ -4111,7 +4111,7 @@
           </p:nvSpPr>
           <p:spPr>
             <a:xfrm>
-              <a:off x="3187290" y="1107035"/>
+              <a:off x="5303120" y="3428248"/>
               <a:ext cx="838200" cy="838200"/>
             </a:xfrm>
             <a:prstGeom prst="rect">
@@ -4155,8 +4155,8 @@
           </p:nvGrpSpPr>
           <p:grpSpPr>
             <a:xfrm>
-              <a:off x="3234064" y="1178480"/>
-              <a:ext cx="741789" cy="559065"/>
+              <a:off x="5349894" y="3499693"/>
+              <a:ext cx="741789" cy="696858"/>
               <a:chOff x="3234064" y="1178480"/>
               <a:chExt cx="741789" cy="559065"/>
             </a:xfrm>
@@ -4577,494 +4577,41 @@
       </p:grpSp>
       <p:grpSp>
         <p:nvGrpSpPr>
-          <p:cNvPr id="146" name="Group 145"/>
+          <p:cNvPr id="7" name="Group 6"/>
           <p:cNvGrpSpPr/>
           <p:nvPr/>
         </p:nvGrpSpPr>
         <p:grpSpPr>
           <a:xfrm>
-            <a:off x="6291590" y="2180446"/>
+            <a:off x="4219601" y="3428248"/>
             <a:ext cx="838200" cy="838200"/>
-            <a:chOff x="2103771" y="1107035"/>
+            <a:chOff x="4219601" y="3428248"/>
             <a:chExt cx="838200" cy="838200"/>
           </a:xfrm>
         </p:grpSpPr>
-        <p:sp>
-          <p:nvSpPr>
-            <p:cNvPr id="147" name="Rectangle 146"/>
-            <p:cNvSpPr/>
-            <p:nvPr/>
-          </p:nvSpPr>
-          <p:spPr>
-            <a:xfrm>
-              <a:off x="2150016" y="1187458"/>
-              <a:ext cx="741789" cy="559065"/>
-            </a:xfrm>
-            <a:prstGeom prst="rect">
-              <a:avLst/>
-            </a:prstGeom>
-            <a:solidFill>
-              <a:srgbClr val="0070C0"/>
-            </a:solidFill>
-            <a:ln>
-              <a:noFill/>
-            </a:ln>
-          </p:spPr>
-          <p:style>
-            <a:lnRef idx="2">
-              <a:schemeClr val="accent1">
-                <a:shade val="50000"/>
-              </a:schemeClr>
-            </a:lnRef>
-            <a:fillRef idx="1">
-              <a:schemeClr val="accent1"/>
-            </a:fillRef>
-            <a:effectRef idx="0">
-              <a:schemeClr val="accent1"/>
-            </a:effectRef>
-            <a:fontRef idx="minor">
-              <a:schemeClr val="lt1"/>
-            </a:fontRef>
-          </p:style>
-          <p:txBody>
-            <a:bodyPr rtlCol="0" anchor="ctr"/>
-            <a:lstStyle/>
-            <a:p>
-              <a:pPr algn="ctr"/>
-              <a:endParaRPr lang="en-US"/>
-            </a:p>
-          </p:txBody>
-        </p:sp>
-        <p:sp>
-          <p:nvSpPr>
-            <p:cNvPr id="148" name="Rounded Rectangle 172"/>
-            <p:cNvSpPr/>
-            <p:nvPr/>
-          </p:nvSpPr>
-          <p:spPr>
-            <a:xfrm>
-              <a:off x="2276552" y="1268296"/>
-              <a:ext cx="518999" cy="73271"/>
-            </a:xfrm>
-            <a:prstGeom prst="roundRect">
-              <a:avLst/>
-            </a:prstGeom>
-            <a:solidFill>
-              <a:schemeClr val="bg1"/>
-            </a:solidFill>
-            <a:ln>
-              <a:noFill/>
-            </a:ln>
-          </p:spPr>
-          <p:style>
-            <a:lnRef idx="2">
-              <a:schemeClr val="accent1">
-                <a:shade val="50000"/>
-              </a:schemeClr>
-            </a:lnRef>
-            <a:fillRef idx="1">
-              <a:schemeClr val="accent1"/>
-            </a:fillRef>
-            <a:effectRef idx="0">
-              <a:schemeClr val="accent1"/>
-            </a:effectRef>
-            <a:fontRef idx="minor">
-              <a:schemeClr val="lt1"/>
-            </a:fontRef>
-          </p:style>
-          <p:txBody>
-            <a:bodyPr rtlCol="0" anchor="ctr"/>
-            <a:lstStyle/>
-            <a:p>
-              <a:pPr algn="ctr"/>
-              <a:endParaRPr lang="en-US"/>
-            </a:p>
-          </p:txBody>
-        </p:sp>
-        <p:sp>
-          <p:nvSpPr>
-            <p:cNvPr id="153" name="Rounded Rectangle 170"/>
-            <p:cNvSpPr/>
-            <p:nvPr/>
-          </p:nvSpPr>
-          <p:spPr>
-            <a:xfrm>
-              <a:off x="2276208" y="1616319"/>
-              <a:ext cx="259844" cy="64111"/>
-            </a:xfrm>
-            <a:prstGeom prst="roundRect">
-              <a:avLst/>
-            </a:prstGeom>
-            <a:solidFill>
-              <a:schemeClr val="bg1"/>
-            </a:solidFill>
-            <a:ln>
-              <a:noFill/>
-            </a:ln>
-          </p:spPr>
-          <p:style>
-            <a:lnRef idx="2">
-              <a:schemeClr val="accent1">
-                <a:shade val="50000"/>
-              </a:schemeClr>
-            </a:lnRef>
-            <a:fillRef idx="1">
-              <a:schemeClr val="accent1"/>
-            </a:fillRef>
-            <a:effectRef idx="0">
-              <a:schemeClr val="accent1"/>
-            </a:effectRef>
-            <a:fontRef idx="minor">
-              <a:schemeClr val="lt1"/>
-            </a:fontRef>
-          </p:style>
-          <p:txBody>
-            <a:bodyPr rtlCol="0" anchor="ctr"/>
-            <a:lstStyle/>
-            <a:p>
-              <a:pPr algn="ctr"/>
-              <a:endParaRPr lang="en-US"/>
-            </a:p>
-          </p:txBody>
-        </p:sp>
-        <p:sp>
-          <p:nvSpPr>
-            <p:cNvPr id="157" name="Rectangle 156"/>
-            <p:cNvSpPr/>
-            <p:nvPr/>
-          </p:nvSpPr>
-          <p:spPr>
-            <a:xfrm>
-              <a:off x="2466976" y="1394200"/>
-              <a:ext cx="331440" cy="152818"/>
-            </a:xfrm>
-            <a:prstGeom prst="rect">
-              <a:avLst/>
-            </a:prstGeom>
-            <a:solidFill>
-              <a:srgbClr val="F79646"/>
-            </a:solidFill>
-            <a:ln>
-              <a:noFill/>
-            </a:ln>
-          </p:spPr>
-          <p:style>
-            <a:lnRef idx="2">
-              <a:schemeClr val="accent1">
-                <a:shade val="50000"/>
-              </a:schemeClr>
-            </a:lnRef>
-            <a:fillRef idx="1">
-              <a:schemeClr val="accent1"/>
-            </a:fillRef>
-            <a:effectRef idx="0">
-              <a:schemeClr val="accent1"/>
-            </a:effectRef>
-            <a:fontRef idx="minor">
-              <a:schemeClr val="lt1"/>
-            </a:fontRef>
-          </p:style>
-          <p:txBody>
-            <a:bodyPr rtlCol="0" anchor="ctr"/>
-            <a:lstStyle/>
-            <a:p>
-              <a:pPr algn="ctr"/>
-              <a:endParaRPr lang="en-SG"/>
-            </a:p>
-          </p:txBody>
-        </p:sp>
         <p:grpSp>
           <p:nvGrpSpPr>
-            <p:cNvPr id="158" name="Group 157"/>
+            <p:cNvPr id="6" name="Group 5"/>
             <p:cNvGrpSpPr/>
             <p:nvPr/>
           </p:nvGrpSpPr>
           <p:grpSpPr>
             <a:xfrm>
-              <a:off x="2276552" y="1442307"/>
-              <a:ext cx="463473" cy="64353"/>
-              <a:chOff x="3373710" y="2751692"/>
-              <a:chExt cx="463473" cy="64353"/>
+              <a:off x="4280987" y="3516732"/>
+              <a:ext cx="741789" cy="679819"/>
+              <a:chOff x="4280987" y="3516732"/>
+              <a:chExt cx="741789" cy="559065"/>
             </a:xfrm>
-            <a:solidFill>
-              <a:schemeClr val="bg1"/>
-            </a:solidFill>
           </p:grpSpPr>
           <p:sp>
             <p:nvSpPr>
-              <p:cNvPr id="160" name="Rounded Rectangle 160"/>
+              <p:cNvPr id="147" name="Rectangle 146"/>
               <p:cNvSpPr/>
               <p:nvPr/>
             </p:nvSpPr>
             <p:spPr>
               <a:xfrm>
-                <a:off x="3618068" y="2751692"/>
-                <a:ext cx="219115" cy="64353"/>
-              </a:xfrm>
-              <a:prstGeom prst="roundRect">
-                <a:avLst/>
-              </a:prstGeom>
-              <a:grpFill/>
-              <a:ln>
-                <a:noFill/>
-              </a:ln>
-            </p:spPr>
-            <p:style>
-              <a:lnRef idx="2">
-                <a:schemeClr val="accent1">
-                  <a:shade val="50000"/>
-                </a:schemeClr>
-              </a:lnRef>
-              <a:fillRef idx="1">
-                <a:schemeClr val="accent1"/>
-              </a:fillRef>
-              <a:effectRef idx="0">
-                <a:schemeClr val="accent1"/>
-              </a:effectRef>
-              <a:fontRef idx="minor">
-                <a:schemeClr val="lt1"/>
-              </a:fontRef>
-            </p:style>
-            <p:txBody>
-              <a:bodyPr rtlCol="0" anchor="ctr"/>
-              <a:lstStyle/>
-              <a:p>
-                <a:pPr algn="ctr"/>
-                <a:endParaRPr lang="en-US"/>
-              </a:p>
-            </p:txBody>
-          </p:sp>
-          <p:sp>
-            <p:nvSpPr>
-              <p:cNvPr id="161" name="Rounded Rectangle 163"/>
-              <p:cNvSpPr/>
-              <p:nvPr/>
-            </p:nvSpPr>
-            <p:spPr>
-              <a:xfrm>
-                <a:off x="3373710" y="2751692"/>
-                <a:ext cx="154685" cy="64353"/>
-              </a:xfrm>
-              <a:prstGeom prst="roundRect">
-                <a:avLst/>
-              </a:prstGeom>
-              <a:grpFill/>
-              <a:ln>
-                <a:noFill/>
-              </a:ln>
-            </p:spPr>
-            <p:style>
-              <a:lnRef idx="2">
-                <a:schemeClr val="accent1">
-                  <a:shade val="50000"/>
-                </a:schemeClr>
-              </a:lnRef>
-              <a:fillRef idx="1">
-                <a:schemeClr val="accent1"/>
-              </a:fillRef>
-              <a:effectRef idx="0">
-                <a:schemeClr val="accent1"/>
-              </a:effectRef>
-              <a:fontRef idx="minor">
-                <a:schemeClr val="lt1"/>
-              </a:fontRef>
-            </p:style>
-            <p:txBody>
-              <a:bodyPr rtlCol="0" anchor="ctr"/>
-              <a:lstStyle/>
-              <a:p>
-                <a:pPr algn="ctr"/>
-                <a:endParaRPr lang="en-US"/>
-              </a:p>
-            </p:txBody>
-          </p:sp>
-        </p:grpSp>
-        <p:sp>
-          <p:nvSpPr>
-            <p:cNvPr id="159" name="Rectangle 158"/>
-            <p:cNvSpPr/>
-            <p:nvPr/>
-          </p:nvSpPr>
-          <p:spPr>
-            <a:xfrm>
-              <a:off x="2103771" y="1107035"/>
-              <a:ext cx="838200" cy="838200"/>
-            </a:xfrm>
-            <a:prstGeom prst="rect">
-              <a:avLst/>
-            </a:prstGeom>
-            <a:noFill/>
-            <a:ln>
-              <a:noFill/>
-            </a:ln>
-          </p:spPr>
-          <p:style>
-            <a:lnRef idx="2">
-              <a:schemeClr val="accent1">
-                <a:shade val="50000"/>
-              </a:schemeClr>
-            </a:lnRef>
-            <a:fillRef idx="1">
-              <a:schemeClr val="accent1"/>
-            </a:fillRef>
-            <a:effectRef idx="0">
-              <a:schemeClr val="accent1"/>
-            </a:effectRef>
-            <a:fontRef idx="minor">
-              <a:schemeClr val="lt1"/>
-            </a:fontRef>
-          </p:style>
-          <p:txBody>
-            <a:bodyPr rtlCol="0" anchor="ctr"/>
-            <a:lstStyle/>
-            <a:p>
-              <a:pPr algn="ctr"/>
-              <a:endParaRPr lang="en-SG"/>
-            </a:p>
-          </p:txBody>
-        </p:sp>
-      </p:grpSp>
-      <p:sp>
-        <p:nvSpPr>
-          <p:cNvPr id="162" name="TextBox 161"/>
-          <p:cNvSpPr txBox="1"/>
-          <p:nvPr/>
-        </p:nvSpPr>
-        <p:spPr>
-          <a:xfrm>
-            <a:off x="6259638" y="3018646"/>
-            <a:ext cx="916799" cy="215444"/>
-          </a:xfrm>
-          <a:prstGeom prst="rect">
-            <a:avLst/>
-          </a:prstGeom>
-          <a:noFill/>
-        </p:spPr>
-        <p:txBody>
-          <a:bodyPr wrap="square" rtlCol="0">
-            <a:spAutoFit/>
-          </a:bodyPr>
-          <a:lstStyle/>
-          <a:p>
-            <a:r>
-              <a:rPr lang="en-US" sz="800" dirty="0"/>
-              <a:t>Highlight words</a:t>
-            </a:r>
-            <a:endParaRPr lang="en-SG" sz="800" dirty="0"/>
-          </a:p>
-        </p:txBody>
-      </p:sp>
-      <p:sp>
-        <p:nvSpPr>
-          <p:cNvPr id="163" name="TextBox 162"/>
-          <p:cNvSpPr txBox="1"/>
-          <p:nvPr/>
-        </p:nvSpPr>
-        <p:spPr>
-          <a:xfrm>
-            <a:off x="7345513" y="3030881"/>
-            <a:ext cx="916799" cy="338554"/>
-          </a:xfrm>
-          <a:prstGeom prst="rect">
-            <a:avLst/>
-          </a:prstGeom>
-          <a:noFill/>
-        </p:spPr>
-        <p:txBody>
-          <a:bodyPr wrap="square" rtlCol="0">
-            <a:spAutoFit/>
-          </a:bodyPr>
-          <a:lstStyle/>
-          <a:p>
-            <a:r>
-              <a:rPr lang="en-US" sz="800" dirty="0"/>
-              <a:t>Highlight background</a:t>
-            </a:r>
-            <a:endParaRPr lang="en-SG" sz="800" dirty="0"/>
-          </a:p>
-        </p:txBody>
-      </p:sp>
-      <p:grpSp>
-        <p:nvGrpSpPr>
-          <p:cNvPr id="166" name="Group 165"/>
-          <p:cNvGrpSpPr/>
-          <p:nvPr/>
-        </p:nvGrpSpPr>
-        <p:grpSpPr>
-          <a:xfrm>
-            <a:off x="6310790" y="3428248"/>
-            <a:ext cx="838200" cy="838200"/>
-            <a:chOff x="3187290" y="1107035"/>
-            <a:chExt cx="838200" cy="838200"/>
-          </a:xfrm>
-        </p:grpSpPr>
-        <p:sp>
-          <p:nvSpPr>
-            <p:cNvPr id="167" name="Rectangle 166"/>
-            <p:cNvSpPr/>
-            <p:nvPr/>
-          </p:nvSpPr>
-          <p:spPr>
-            <a:xfrm>
-              <a:off x="3187290" y="1107035"/>
-              <a:ext cx="838200" cy="838200"/>
-            </a:xfrm>
-            <a:prstGeom prst="rect">
-              <a:avLst/>
-            </a:prstGeom>
-            <a:noFill/>
-            <a:ln>
-              <a:noFill/>
-            </a:ln>
-          </p:spPr>
-          <p:style>
-            <a:lnRef idx="2">
-              <a:schemeClr val="accent1">
-                <a:shade val="50000"/>
-              </a:schemeClr>
-            </a:lnRef>
-            <a:fillRef idx="1">
-              <a:schemeClr val="accent1"/>
-            </a:fillRef>
-            <a:effectRef idx="0">
-              <a:schemeClr val="accent1"/>
-            </a:effectRef>
-            <a:fontRef idx="minor">
-              <a:schemeClr val="lt1"/>
-            </a:fontRef>
-          </p:style>
-          <p:txBody>
-            <a:bodyPr rtlCol="0" anchor="ctr"/>
-            <a:lstStyle/>
-            <a:p>
-              <a:pPr algn="ctr"/>
-              <a:endParaRPr lang="en-SG"/>
-            </a:p>
-          </p:txBody>
-        </p:sp>
-        <p:grpSp>
-          <p:nvGrpSpPr>
-            <p:cNvPr id="168" name="Group 167"/>
-            <p:cNvGrpSpPr/>
-            <p:nvPr/>
-          </p:nvGrpSpPr>
-          <p:grpSpPr>
-            <a:xfrm>
-              <a:off x="3234064" y="1178480"/>
-              <a:ext cx="741789" cy="559065"/>
-              <a:chOff x="3234064" y="1178480"/>
-              <a:chExt cx="741789" cy="559065"/>
-            </a:xfrm>
-          </p:grpSpPr>
-          <p:sp>
-            <p:nvSpPr>
-              <p:cNvPr id="169" name="Rectangle 168"/>
-              <p:cNvSpPr/>
-              <p:nvPr/>
-            </p:nvSpPr>
-            <p:spPr>
-              <a:xfrm>
-                <a:off x="3234064" y="1178480"/>
+                <a:off x="4280987" y="3516732"/>
                 <a:ext cx="741789" cy="559065"/>
               </a:xfrm>
               <a:prstGeom prst="rect">
@@ -5102,230 +4649,108 @@
               </a:p>
             </p:txBody>
           </p:sp>
-          <p:grpSp>
-            <p:nvGrpSpPr>
-              <p:cNvPr id="170" name="Group 169"/>
-              <p:cNvGrpSpPr/>
-              <p:nvPr/>
-            </p:nvGrpSpPr>
-            <p:grpSpPr>
-              <a:xfrm>
-                <a:off x="3357392" y="1259318"/>
-                <a:ext cx="522207" cy="64353"/>
-                <a:chOff x="3370502" y="2494280"/>
-                <a:chExt cx="522207" cy="64353"/>
-              </a:xfrm>
-            </p:grpSpPr>
-            <p:sp>
-              <p:nvSpPr>
-                <p:cNvPr id="186" name="Rounded Rectangle 182"/>
-                <p:cNvSpPr/>
-                <p:nvPr/>
-              </p:nvSpPr>
-              <p:spPr>
-                <a:xfrm>
-                  <a:off x="3483859" y="2494280"/>
-                  <a:ext cx="408850" cy="64353"/>
-                </a:xfrm>
-                <a:prstGeom prst="roundRect">
-                  <a:avLst/>
-                </a:prstGeom>
-                <a:solidFill>
-                  <a:schemeClr val="bg1"/>
-                </a:solidFill>
-                <a:ln>
-                  <a:noFill/>
-                </a:ln>
-              </p:spPr>
-              <p:style>
-                <a:lnRef idx="2">
-                  <a:schemeClr val="accent1">
-                    <a:shade val="50000"/>
-                  </a:schemeClr>
-                </a:lnRef>
-                <a:fillRef idx="1">
-                  <a:schemeClr val="accent1"/>
-                </a:fillRef>
-                <a:effectRef idx="0">
-                  <a:schemeClr val="accent1"/>
-                </a:effectRef>
-                <a:fontRef idx="minor">
-                  <a:schemeClr val="lt1"/>
-                </a:fontRef>
-              </p:style>
-              <p:txBody>
-                <a:bodyPr rtlCol="0" anchor="ctr"/>
-                <a:lstStyle/>
-                <a:p>
-                  <a:pPr algn="ctr"/>
-                  <a:endParaRPr lang="en-US"/>
-                </a:p>
-              </p:txBody>
-            </p:sp>
-            <p:sp>
-              <p:nvSpPr>
-                <p:cNvPr id="199" name="Rounded Rectangle 183"/>
-                <p:cNvSpPr/>
-                <p:nvPr/>
-              </p:nvSpPr>
-              <p:spPr>
-                <a:xfrm>
-                  <a:off x="3370502" y="2494280"/>
-                  <a:ext cx="51086" cy="64353"/>
-                </a:xfrm>
-                <a:prstGeom prst="roundRect">
-                  <a:avLst/>
-                </a:prstGeom>
-                <a:solidFill>
-                  <a:schemeClr val="bg1"/>
-                </a:solidFill>
-                <a:ln>
-                  <a:noFill/>
-                </a:ln>
-              </p:spPr>
-              <p:style>
-                <a:lnRef idx="2">
-                  <a:schemeClr val="accent1">
-                    <a:shade val="50000"/>
-                  </a:schemeClr>
-                </a:lnRef>
-                <a:fillRef idx="1">
-                  <a:schemeClr val="accent1"/>
-                </a:fillRef>
-                <a:effectRef idx="0">
-                  <a:schemeClr val="accent1"/>
-                </a:effectRef>
-                <a:fontRef idx="minor">
-                  <a:schemeClr val="lt1"/>
-                </a:fontRef>
-              </p:style>
-              <p:txBody>
-                <a:bodyPr rtlCol="0" anchor="ctr"/>
-                <a:lstStyle/>
-                <a:p>
-                  <a:pPr algn="ctr"/>
-                  <a:endParaRPr lang="en-US"/>
-                </a:p>
-              </p:txBody>
-            </p:sp>
-          </p:grpSp>
-          <p:grpSp>
-            <p:nvGrpSpPr>
-              <p:cNvPr id="171" name="Group 170"/>
-              <p:cNvGrpSpPr/>
-              <p:nvPr/>
-            </p:nvGrpSpPr>
-            <p:grpSpPr>
-              <a:xfrm>
-                <a:off x="3360256" y="1607340"/>
-                <a:ext cx="522207" cy="64353"/>
-                <a:chOff x="3373366" y="2880398"/>
-                <a:chExt cx="522207" cy="64353"/>
-              </a:xfrm>
-            </p:grpSpPr>
-            <p:sp>
-              <p:nvSpPr>
-                <p:cNvPr id="184" name="Rounded Rectangle 178"/>
-                <p:cNvSpPr/>
-                <p:nvPr/>
-              </p:nvSpPr>
-              <p:spPr>
-                <a:xfrm>
-                  <a:off x="3486723" y="2880398"/>
-                  <a:ext cx="408850" cy="64353"/>
-                </a:xfrm>
-                <a:prstGeom prst="roundRect">
-                  <a:avLst/>
-                </a:prstGeom>
-                <a:solidFill>
-                  <a:schemeClr val="bg1"/>
-                </a:solidFill>
-                <a:ln>
-                  <a:noFill/>
-                </a:ln>
-              </p:spPr>
-              <p:style>
-                <a:lnRef idx="2">
-                  <a:schemeClr val="accent1">
-                    <a:shade val="50000"/>
-                  </a:schemeClr>
-                </a:lnRef>
-                <a:fillRef idx="1">
-                  <a:schemeClr val="accent1"/>
-                </a:fillRef>
-                <a:effectRef idx="0">
-                  <a:schemeClr val="accent1"/>
-                </a:effectRef>
-                <a:fontRef idx="minor">
-                  <a:schemeClr val="lt1"/>
-                </a:fontRef>
-              </p:style>
-              <p:txBody>
-                <a:bodyPr rtlCol="0" anchor="ctr"/>
-                <a:lstStyle/>
-                <a:p>
-                  <a:pPr algn="ctr"/>
-                  <a:endParaRPr lang="en-US"/>
-                </a:p>
-              </p:txBody>
-            </p:sp>
-            <p:sp>
-              <p:nvSpPr>
-                <p:cNvPr id="185" name="Rounded Rectangle 179"/>
-                <p:cNvSpPr/>
-                <p:nvPr/>
-              </p:nvSpPr>
-              <p:spPr>
-                <a:xfrm>
-                  <a:off x="3373366" y="2880398"/>
-                  <a:ext cx="51086" cy="64353"/>
-                </a:xfrm>
-                <a:prstGeom prst="roundRect">
-                  <a:avLst/>
-                </a:prstGeom>
-                <a:solidFill>
-                  <a:schemeClr val="bg1"/>
-                </a:solidFill>
-                <a:ln>
-                  <a:noFill/>
-                </a:ln>
-              </p:spPr>
-              <p:style>
-                <a:lnRef idx="2">
-                  <a:schemeClr val="accent1">
-                    <a:shade val="50000"/>
-                  </a:schemeClr>
-                </a:lnRef>
-                <a:fillRef idx="1">
-                  <a:schemeClr val="accent1"/>
-                </a:fillRef>
-                <a:effectRef idx="0">
-                  <a:schemeClr val="accent1"/>
-                </a:effectRef>
-                <a:fontRef idx="minor">
-                  <a:schemeClr val="lt1"/>
-                </a:fontRef>
-              </p:style>
-              <p:txBody>
-                <a:bodyPr rtlCol="0" anchor="ctr"/>
-                <a:lstStyle/>
-                <a:p>
-                  <a:pPr algn="ctr"/>
-                  <a:endParaRPr lang="en-US"/>
-                </a:p>
-              </p:txBody>
-            </p:sp>
-          </p:grpSp>
           <p:sp>
             <p:nvSpPr>
-              <p:cNvPr id="172" name="Rectangle 171"/>
+              <p:cNvPr id="148" name="Rounded Rectangle 172"/>
               <p:cNvSpPr/>
               <p:nvPr/>
             </p:nvSpPr>
             <p:spPr>
               <a:xfrm>
-                <a:off x="3234064" y="1385222"/>
-                <a:ext cx="741789" cy="152818"/>
+                <a:off x="4392382" y="3589509"/>
+                <a:ext cx="518999" cy="73271"/>
+              </a:xfrm>
+              <a:prstGeom prst="roundRect">
+                <a:avLst/>
+              </a:prstGeom>
+              <a:solidFill>
+                <a:schemeClr val="bg1"/>
+              </a:solidFill>
+              <a:ln>
+                <a:noFill/>
+              </a:ln>
+            </p:spPr>
+            <p:style>
+              <a:lnRef idx="2">
+                <a:schemeClr val="accent1">
+                  <a:shade val="50000"/>
+                </a:schemeClr>
+              </a:lnRef>
+              <a:fillRef idx="1">
+                <a:schemeClr val="accent1"/>
+              </a:fillRef>
+              <a:effectRef idx="0">
+                <a:schemeClr val="accent1"/>
+              </a:effectRef>
+              <a:fontRef idx="minor">
+                <a:schemeClr val="lt1"/>
+              </a:fontRef>
+            </p:style>
+            <p:txBody>
+              <a:bodyPr rtlCol="0" anchor="ctr"/>
+              <a:lstStyle/>
+              <a:p>
+                <a:pPr algn="ctr"/>
+                <a:endParaRPr lang="en-US"/>
+              </a:p>
+            </p:txBody>
+          </p:sp>
+          <p:sp>
+            <p:nvSpPr>
+              <p:cNvPr id="153" name="Rounded Rectangle 170"/>
+              <p:cNvSpPr/>
+              <p:nvPr/>
+            </p:nvSpPr>
+            <p:spPr>
+              <a:xfrm>
+                <a:off x="4392038" y="3937532"/>
+                <a:ext cx="259844" cy="64111"/>
+              </a:xfrm>
+              <a:prstGeom prst="roundRect">
+                <a:avLst/>
+              </a:prstGeom>
+              <a:solidFill>
+                <a:schemeClr val="bg1"/>
+              </a:solidFill>
+              <a:ln>
+                <a:noFill/>
+              </a:ln>
+            </p:spPr>
+            <p:style>
+              <a:lnRef idx="2">
+                <a:schemeClr val="accent1">
+                  <a:shade val="50000"/>
+                </a:schemeClr>
+              </a:lnRef>
+              <a:fillRef idx="1">
+                <a:schemeClr val="accent1"/>
+              </a:fillRef>
+              <a:effectRef idx="0">
+                <a:schemeClr val="accent1"/>
+              </a:effectRef>
+              <a:fontRef idx="minor">
+                <a:schemeClr val="lt1"/>
+              </a:fontRef>
+            </p:style>
+            <p:txBody>
+              <a:bodyPr rtlCol="0" anchor="ctr"/>
+              <a:lstStyle/>
+              <a:p>
+                <a:pPr algn="ctr"/>
+                <a:endParaRPr lang="en-US"/>
+              </a:p>
+            </p:txBody>
+          </p:sp>
+          <p:sp>
+            <p:nvSpPr>
+              <p:cNvPr id="157" name="Rectangle 156"/>
+              <p:cNvSpPr/>
+              <p:nvPr/>
+            </p:nvSpPr>
+            <p:spPr>
+              <a:xfrm>
+                <a:off x="4582806" y="3715413"/>
+                <a:ext cx="331440" cy="152818"/>
               </a:xfrm>
               <a:prstGeom prst="rect">
                 <a:avLst/>
@@ -5364,16 +4789,16 @@
           </p:sp>
           <p:grpSp>
             <p:nvGrpSpPr>
-              <p:cNvPr id="173" name="Group 172"/>
+              <p:cNvPr id="158" name="Group 157"/>
               <p:cNvGrpSpPr/>
               <p:nvPr/>
             </p:nvGrpSpPr>
             <p:grpSpPr>
               <a:xfrm>
-                <a:off x="3360601" y="1433329"/>
-                <a:ext cx="522207" cy="64353"/>
-                <a:chOff x="3373711" y="2751692"/>
-                <a:chExt cx="522207" cy="64353"/>
+                <a:off x="4392382" y="3763520"/>
+                <a:ext cx="463473" cy="64353"/>
+                <a:chOff x="3373710" y="2751692"/>
+                <a:chExt cx="463473" cy="64353"/>
               </a:xfrm>
               <a:solidFill>
                 <a:schemeClr val="bg1"/>
@@ -5381,14 +4806,14 @@
             </p:grpSpPr>
             <p:sp>
               <p:nvSpPr>
-                <p:cNvPr id="182" name="Rounded Rectangle 180"/>
+                <p:cNvPr id="160" name="Rounded Rectangle 160"/>
                 <p:cNvSpPr/>
                 <p:nvPr/>
               </p:nvSpPr>
               <p:spPr>
                 <a:xfrm>
-                  <a:off x="3487068" y="2751692"/>
-                  <a:ext cx="408850" cy="64353"/>
+                  <a:off x="3618068" y="2751692"/>
+                  <a:ext cx="219115" cy="64353"/>
                 </a:xfrm>
                 <a:prstGeom prst="roundRect">
                   <a:avLst/>
@@ -5425,14 +4850,14 @@
             </p:sp>
             <p:sp>
               <p:nvSpPr>
-                <p:cNvPr id="183" name="Rounded Rectangle 181"/>
+                <p:cNvPr id="161" name="Rounded Rectangle 163"/>
                 <p:cNvSpPr/>
                 <p:nvPr/>
               </p:nvSpPr>
               <p:spPr>
                 <a:xfrm>
-                  <a:off x="3373711" y="2751692"/>
-                  <a:ext cx="51086" cy="64353"/>
+                  <a:off x="3373710" y="2751692"/>
+                  <a:ext cx="154685" cy="64353"/>
                 </a:xfrm>
                 <a:prstGeom prst="roundRect">
                   <a:avLst/>
@@ -5469,7 +4894,111 @@
             </p:sp>
           </p:grpSp>
         </p:grpSp>
+        <p:sp>
+          <p:nvSpPr>
+            <p:cNvPr id="159" name="Rectangle 158"/>
+            <p:cNvSpPr/>
+            <p:nvPr/>
+          </p:nvSpPr>
+          <p:spPr>
+            <a:xfrm>
+              <a:off x="4219601" y="3428248"/>
+              <a:ext cx="838200" cy="838200"/>
+            </a:xfrm>
+            <a:prstGeom prst="rect">
+              <a:avLst/>
+            </a:prstGeom>
+            <a:noFill/>
+            <a:ln>
+              <a:noFill/>
+            </a:ln>
+          </p:spPr>
+          <p:style>
+            <a:lnRef idx="2">
+              <a:schemeClr val="accent1">
+                <a:shade val="50000"/>
+              </a:schemeClr>
+            </a:lnRef>
+            <a:fillRef idx="1">
+              <a:schemeClr val="accent1"/>
+            </a:fillRef>
+            <a:effectRef idx="0">
+              <a:schemeClr val="accent1"/>
+            </a:effectRef>
+            <a:fontRef idx="minor">
+              <a:schemeClr val="lt1"/>
+            </a:fontRef>
+          </p:style>
+          <p:txBody>
+            <a:bodyPr rtlCol="0" anchor="ctr"/>
+            <a:lstStyle/>
+            <a:p>
+              <a:pPr algn="ctr"/>
+              <a:endParaRPr lang="en-SG"/>
+            </a:p>
+          </p:txBody>
+        </p:sp>
       </p:grpSp>
+      <p:sp>
+        <p:nvSpPr>
+          <p:cNvPr id="162" name="TextBox 161"/>
+          <p:cNvSpPr txBox="1"/>
+          <p:nvPr/>
+        </p:nvSpPr>
+        <p:spPr>
+          <a:xfrm>
+            <a:off x="4187649" y="4266448"/>
+            <a:ext cx="916799" cy="215444"/>
+          </a:xfrm>
+          <a:prstGeom prst="rect">
+            <a:avLst/>
+          </a:prstGeom>
+          <a:noFill/>
+        </p:spPr>
+        <p:txBody>
+          <a:bodyPr wrap="square" rtlCol="0">
+            <a:spAutoFit/>
+          </a:bodyPr>
+          <a:lstStyle/>
+          <a:p>
+            <a:r>
+              <a:rPr lang="en-US" sz="800" dirty="0"/>
+              <a:t>Highlight words</a:t>
+            </a:r>
+            <a:endParaRPr lang="en-SG" sz="800" dirty="0"/>
+          </a:p>
+        </p:txBody>
+      </p:sp>
+      <p:sp>
+        <p:nvSpPr>
+          <p:cNvPr id="163" name="TextBox 162"/>
+          <p:cNvSpPr txBox="1"/>
+          <p:nvPr/>
+        </p:nvSpPr>
+        <p:spPr>
+          <a:xfrm>
+            <a:off x="5273524" y="4278683"/>
+            <a:ext cx="916799" cy="338554"/>
+          </a:xfrm>
+          <a:prstGeom prst="rect">
+            <a:avLst/>
+          </a:prstGeom>
+          <a:noFill/>
+        </p:spPr>
+        <p:txBody>
+          <a:bodyPr wrap="square" rtlCol="0">
+            <a:spAutoFit/>
+          </a:bodyPr>
+          <a:lstStyle/>
+          <a:p>
+            <a:r>
+              <a:rPr lang="en-US" sz="800" dirty="0"/>
+              <a:t>Highlight background</a:t>
+            </a:r>
+            <a:endParaRPr lang="en-SG" sz="800" dirty="0"/>
+          </a:p>
+        </p:txBody>
+      </p:sp>
       <p:sp>
         <p:nvSpPr>
           <p:cNvPr id="200" name="TextBox 199"/>
@@ -5500,56 +5029,557 @@
           </a:p>
         </p:txBody>
       </p:sp>
-      <p:sp>
-        <p:nvSpPr>
-          <p:cNvPr id="201" name="Plus 167"/>
-          <p:cNvSpPr>
-            <a:spLocks noChangeAspect="1"/>
-          </p:cNvSpPr>
+      <p:grpSp>
+        <p:nvGrpSpPr>
+          <p:cNvPr id="10" name="Group 9"/>
+          <p:cNvGrpSpPr/>
           <p:nvPr/>
-        </p:nvSpPr>
-        <p:spPr>
-          <a:xfrm rot="2789166">
-            <a:off x="6643332" y="3635713"/>
-            <a:ext cx="581820" cy="581820"/>
+        </p:nvGrpSpPr>
+        <p:grpSpPr>
+          <a:xfrm>
+            <a:off x="6310790" y="3428248"/>
+            <a:ext cx="914362" cy="899351"/>
+            <a:chOff x="6310790" y="3428248"/>
+            <a:chExt cx="914362" cy="899351"/>
           </a:xfrm>
-          <a:prstGeom prst="mathPlus">
-            <a:avLst/>
-          </a:prstGeom>
-          <a:solidFill>
-            <a:srgbClr val="C00000"/>
-          </a:solidFill>
-          <a:ln w="38100">
+        </p:grpSpPr>
+        <p:grpSp>
+          <p:nvGrpSpPr>
+            <p:cNvPr id="2" name="Group 1"/>
+            <p:cNvGrpSpPr/>
+            <p:nvPr/>
+          </p:nvGrpSpPr>
+          <p:grpSpPr>
+            <a:xfrm>
+              <a:off x="6310790" y="3428248"/>
+              <a:ext cx="838200" cy="838200"/>
+              <a:chOff x="6310790" y="3428248"/>
+              <a:chExt cx="838200" cy="838200"/>
+            </a:xfrm>
+          </p:grpSpPr>
+          <p:sp>
+            <p:nvSpPr>
+              <p:cNvPr id="167" name="Rectangle 166"/>
+              <p:cNvSpPr/>
+              <p:nvPr/>
+            </p:nvSpPr>
+            <p:spPr>
+              <a:xfrm>
+                <a:off x="6310790" y="3428248"/>
+                <a:ext cx="838200" cy="838200"/>
+              </a:xfrm>
+              <a:prstGeom prst="rect">
+                <a:avLst/>
+              </a:prstGeom>
+              <a:noFill/>
+              <a:ln>
+                <a:noFill/>
+              </a:ln>
+            </p:spPr>
+            <p:style>
+              <a:lnRef idx="2">
+                <a:schemeClr val="accent1">
+                  <a:shade val="50000"/>
+                </a:schemeClr>
+              </a:lnRef>
+              <a:fillRef idx="1">
+                <a:schemeClr val="accent1"/>
+              </a:fillRef>
+              <a:effectRef idx="0">
+                <a:schemeClr val="accent1"/>
+              </a:effectRef>
+              <a:fontRef idx="minor">
+                <a:schemeClr val="lt1"/>
+              </a:fontRef>
+            </p:style>
+            <p:txBody>
+              <a:bodyPr rtlCol="0" anchor="ctr"/>
+              <a:lstStyle/>
+              <a:p>
+                <a:pPr algn="ctr"/>
+                <a:endParaRPr lang="en-SG"/>
+              </a:p>
+            </p:txBody>
+          </p:sp>
+          <p:grpSp>
+            <p:nvGrpSpPr>
+              <p:cNvPr id="168" name="Group 167"/>
+              <p:cNvGrpSpPr/>
+              <p:nvPr/>
+            </p:nvGrpSpPr>
+            <p:grpSpPr>
+              <a:xfrm>
+                <a:off x="6357564" y="3499693"/>
+                <a:ext cx="741789" cy="696858"/>
+                <a:chOff x="3234064" y="1178480"/>
+                <a:chExt cx="741789" cy="559065"/>
+              </a:xfrm>
+            </p:grpSpPr>
+            <p:sp>
+              <p:nvSpPr>
+                <p:cNvPr id="169" name="Rectangle 168"/>
+                <p:cNvSpPr/>
+                <p:nvPr/>
+              </p:nvSpPr>
+              <p:spPr>
+                <a:xfrm>
+                  <a:off x="3234064" y="1178480"/>
+                  <a:ext cx="741789" cy="559065"/>
+                </a:xfrm>
+                <a:prstGeom prst="rect">
+                  <a:avLst/>
+                </a:prstGeom>
+                <a:solidFill>
+                  <a:srgbClr val="0070C0"/>
+                </a:solidFill>
+                <a:ln>
+                  <a:noFill/>
+                </a:ln>
+              </p:spPr>
+              <p:style>
+                <a:lnRef idx="2">
+                  <a:schemeClr val="accent1">
+                    <a:shade val="50000"/>
+                  </a:schemeClr>
+                </a:lnRef>
+                <a:fillRef idx="1">
+                  <a:schemeClr val="accent1"/>
+                </a:fillRef>
+                <a:effectRef idx="0">
+                  <a:schemeClr val="accent1"/>
+                </a:effectRef>
+                <a:fontRef idx="minor">
+                  <a:schemeClr val="lt1"/>
+                </a:fontRef>
+              </p:style>
+              <p:txBody>
+                <a:bodyPr rtlCol="0" anchor="ctr"/>
+                <a:lstStyle/>
+                <a:p>
+                  <a:pPr algn="ctr"/>
+                  <a:endParaRPr lang="en-US"/>
+                </a:p>
+              </p:txBody>
+            </p:sp>
+            <p:grpSp>
+              <p:nvGrpSpPr>
+                <p:cNvPr id="170" name="Group 169"/>
+                <p:cNvGrpSpPr/>
+                <p:nvPr/>
+              </p:nvGrpSpPr>
+              <p:grpSpPr>
+                <a:xfrm>
+                  <a:off x="3357392" y="1259318"/>
+                  <a:ext cx="522207" cy="64353"/>
+                  <a:chOff x="3370502" y="2494280"/>
+                  <a:chExt cx="522207" cy="64353"/>
+                </a:xfrm>
+              </p:grpSpPr>
+              <p:sp>
+                <p:nvSpPr>
+                  <p:cNvPr id="186" name="Rounded Rectangle 182"/>
+                  <p:cNvSpPr/>
+                  <p:nvPr/>
+                </p:nvSpPr>
+                <p:spPr>
+                  <a:xfrm>
+                    <a:off x="3483859" y="2494280"/>
+                    <a:ext cx="408850" cy="64353"/>
+                  </a:xfrm>
+                  <a:prstGeom prst="roundRect">
+                    <a:avLst/>
+                  </a:prstGeom>
+                  <a:solidFill>
+                    <a:schemeClr val="bg1"/>
+                  </a:solidFill>
+                  <a:ln>
+                    <a:noFill/>
+                  </a:ln>
+                </p:spPr>
+                <p:style>
+                  <a:lnRef idx="2">
+                    <a:schemeClr val="accent1">
+                      <a:shade val="50000"/>
+                    </a:schemeClr>
+                  </a:lnRef>
+                  <a:fillRef idx="1">
+                    <a:schemeClr val="accent1"/>
+                  </a:fillRef>
+                  <a:effectRef idx="0">
+                    <a:schemeClr val="accent1"/>
+                  </a:effectRef>
+                  <a:fontRef idx="minor">
+                    <a:schemeClr val="lt1"/>
+                  </a:fontRef>
+                </p:style>
+                <p:txBody>
+                  <a:bodyPr rtlCol="0" anchor="ctr"/>
+                  <a:lstStyle/>
+                  <a:p>
+                    <a:pPr algn="ctr"/>
+                    <a:endParaRPr lang="en-US"/>
+                  </a:p>
+                </p:txBody>
+              </p:sp>
+              <p:sp>
+                <p:nvSpPr>
+                  <p:cNvPr id="199" name="Rounded Rectangle 183"/>
+                  <p:cNvSpPr/>
+                  <p:nvPr/>
+                </p:nvSpPr>
+                <p:spPr>
+                  <a:xfrm>
+                    <a:off x="3370502" y="2494280"/>
+                    <a:ext cx="51086" cy="64353"/>
+                  </a:xfrm>
+                  <a:prstGeom prst="roundRect">
+                    <a:avLst/>
+                  </a:prstGeom>
+                  <a:solidFill>
+                    <a:schemeClr val="bg1"/>
+                  </a:solidFill>
+                  <a:ln>
+                    <a:noFill/>
+                  </a:ln>
+                </p:spPr>
+                <p:style>
+                  <a:lnRef idx="2">
+                    <a:schemeClr val="accent1">
+                      <a:shade val="50000"/>
+                    </a:schemeClr>
+                  </a:lnRef>
+                  <a:fillRef idx="1">
+                    <a:schemeClr val="accent1"/>
+                  </a:fillRef>
+                  <a:effectRef idx="0">
+                    <a:schemeClr val="accent1"/>
+                  </a:effectRef>
+                  <a:fontRef idx="minor">
+                    <a:schemeClr val="lt1"/>
+                  </a:fontRef>
+                </p:style>
+                <p:txBody>
+                  <a:bodyPr rtlCol="0" anchor="ctr"/>
+                  <a:lstStyle/>
+                  <a:p>
+                    <a:pPr algn="ctr"/>
+                    <a:endParaRPr lang="en-US"/>
+                  </a:p>
+                </p:txBody>
+              </p:sp>
+            </p:grpSp>
+            <p:grpSp>
+              <p:nvGrpSpPr>
+                <p:cNvPr id="171" name="Group 170"/>
+                <p:cNvGrpSpPr/>
+                <p:nvPr/>
+              </p:nvGrpSpPr>
+              <p:grpSpPr>
+                <a:xfrm>
+                  <a:off x="3360256" y="1607340"/>
+                  <a:ext cx="522207" cy="64353"/>
+                  <a:chOff x="3373366" y="2880398"/>
+                  <a:chExt cx="522207" cy="64353"/>
+                </a:xfrm>
+              </p:grpSpPr>
+              <p:sp>
+                <p:nvSpPr>
+                  <p:cNvPr id="184" name="Rounded Rectangle 178"/>
+                  <p:cNvSpPr/>
+                  <p:nvPr/>
+                </p:nvSpPr>
+                <p:spPr>
+                  <a:xfrm>
+                    <a:off x="3486723" y="2880398"/>
+                    <a:ext cx="408850" cy="64353"/>
+                  </a:xfrm>
+                  <a:prstGeom prst="roundRect">
+                    <a:avLst/>
+                  </a:prstGeom>
+                  <a:solidFill>
+                    <a:schemeClr val="bg1"/>
+                  </a:solidFill>
+                  <a:ln>
+                    <a:noFill/>
+                  </a:ln>
+                </p:spPr>
+                <p:style>
+                  <a:lnRef idx="2">
+                    <a:schemeClr val="accent1">
+                      <a:shade val="50000"/>
+                    </a:schemeClr>
+                  </a:lnRef>
+                  <a:fillRef idx="1">
+                    <a:schemeClr val="accent1"/>
+                  </a:fillRef>
+                  <a:effectRef idx="0">
+                    <a:schemeClr val="accent1"/>
+                  </a:effectRef>
+                  <a:fontRef idx="minor">
+                    <a:schemeClr val="lt1"/>
+                  </a:fontRef>
+                </p:style>
+                <p:txBody>
+                  <a:bodyPr rtlCol="0" anchor="ctr"/>
+                  <a:lstStyle/>
+                  <a:p>
+                    <a:pPr algn="ctr"/>
+                    <a:endParaRPr lang="en-US"/>
+                  </a:p>
+                </p:txBody>
+              </p:sp>
+              <p:sp>
+                <p:nvSpPr>
+                  <p:cNvPr id="185" name="Rounded Rectangle 179"/>
+                  <p:cNvSpPr/>
+                  <p:nvPr/>
+                </p:nvSpPr>
+                <p:spPr>
+                  <a:xfrm>
+                    <a:off x="3373366" y="2880398"/>
+                    <a:ext cx="51086" cy="64353"/>
+                  </a:xfrm>
+                  <a:prstGeom prst="roundRect">
+                    <a:avLst/>
+                  </a:prstGeom>
+                  <a:solidFill>
+                    <a:schemeClr val="bg1"/>
+                  </a:solidFill>
+                  <a:ln>
+                    <a:noFill/>
+                  </a:ln>
+                </p:spPr>
+                <p:style>
+                  <a:lnRef idx="2">
+                    <a:schemeClr val="accent1">
+                      <a:shade val="50000"/>
+                    </a:schemeClr>
+                  </a:lnRef>
+                  <a:fillRef idx="1">
+                    <a:schemeClr val="accent1"/>
+                  </a:fillRef>
+                  <a:effectRef idx="0">
+                    <a:schemeClr val="accent1"/>
+                  </a:effectRef>
+                  <a:fontRef idx="minor">
+                    <a:schemeClr val="lt1"/>
+                  </a:fontRef>
+                </p:style>
+                <p:txBody>
+                  <a:bodyPr rtlCol="0" anchor="ctr"/>
+                  <a:lstStyle/>
+                  <a:p>
+                    <a:pPr algn="ctr"/>
+                    <a:endParaRPr lang="en-US"/>
+                  </a:p>
+                </p:txBody>
+              </p:sp>
+            </p:grpSp>
+            <p:sp>
+              <p:nvSpPr>
+                <p:cNvPr id="172" name="Rectangle 171"/>
+                <p:cNvSpPr/>
+                <p:nvPr/>
+              </p:nvSpPr>
+              <p:spPr>
+                <a:xfrm>
+                  <a:off x="3234064" y="1385222"/>
+                  <a:ext cx="741789" cy="152818"/>
+                </a:xfrm>
+                <a:prstGeom prst="rect">
+                  <a:avLst/>
+                </a:prstGeom>
+                <a:solidFill>
+                  <a:srgbClr val="F79646"/>
+                </a:solidFill>
+                <a:ln>
+                  <a:noFill/>
+                </a:ln>
+              </p:spPr>
+              <p:style>
+                <a:lnRef idx="2">
+                  <a:schemeClr val="accent1">
+                    <a:shade val="50000"/>
+                  </a:schemeClr>
+                </a:lnRef>
+                <a:fillRef idx="1">
+                  <a:schemeClr val="accent1"/>
+                </a:fillRef>
+                <a:effectRef idx="0">
+                  <a:schemeClr val="accent1"/>
+                </a:effectRef>
+                <a:fontRef idx="minor">
+                  <a:schemeClr val="lt1"/>
+                </a:fontRef>
+              </p:style>
+              <p:txBody>
+                <a:bodyPr rtlCol="0" anchor="ctr"/>
+                <a:lstStyle/>
+                <a:p>
+                  <a:pPr algn="ctr"/>
+                  <a:endParaRPr lang="en-SG"/>
+                </a:p>
+              </p:txBody>
+            </p:sp>
+            <p:grpSp>
+              <p:nvGrpSpPr>
+                <p:cNvPr id="173" name="Group 172"/>
+                <p:cNvGrpSpPr/>
+                <p:nvPr/>
+              </p:nvGrpSpPr>
+              <p:grpSpPr>
+                <a:xfrm>
+                  <a:off x="3360601" y="1433329"/>
+                  <a:ext cx="522207" cy="64353"/>
+                  <a:chOff x="3373711" y="2751692"/>
+                  <a:chExt cx="522207" cy="64353"/>
+                </a:xfrm>
+                <a:solidFill>
+                  <a:schemeClr val="bg1"/>
+                </a:solidFill>
+              </p:grpSpPr>
+              <p:sp>
+                <p:nvSpPr>
+                  <p:cNvPr id="182" name="Rounded Rectangle 180"/>
+                  <p:cNvSpPr/>
+                  <p:nvPr/>
+                </p:nvSpPr>
+                <p:spPr>
+                  <a:xfrm>
+                    <a:off x="3487068" y="2751692"/>
+                    <a:ext cx="408850" cy="64353"/>
+                  </a:xfrm>
+                  <a:prstGeom prst="roundRect">
+                    <a:avLst/>
+                  </a:prstGeom>
+                  <a:grpFill/>
+                  <a:ln>
+                    <a:noFill/>
+                  </a:ln>
+                </p:spPr>
+                <p:style>
+                  <a:lnRef idx="2">
+                    <a:schemeClr val="accent1">
+                      <a:shade val="50000"/>
+                    </a:schemeClr>
+                  </a:lnRef>
+                  <a:fillRef idx="1">
+                    <a:schemeClr val="accent1"/>
+                  </a:fillRef>
+                  <a:effectRef idx="0">
+                    <a:schemeClr val="accent1"/>
+                  </a:effectRef>
+                  <a:fontRef idx="minor">
+                    <a:schemeClr val="lt1"/>
+                  </a:fontRef>
+                </p:style>
+                <p:txBody>
+                  <a:bodyPr rtlCol="0" anchor="ctr"/>
+                  <a:lstStyle/>
+                  <a:p>
+                    <a:pPr algn="ctr"/>
+                    <a:endParaRPr lang="en-US"/>
+                  </a:p>
+                </p:txBody>
+              </p:sp>
+              <p:sp>
+                <p:nvSpPr>
+                  <p:cNvPr id="183" name="Rounded Rectangle 181"/>
+                  <p:cNvSpPr/>
+                  <p:nvPr/>
+                </p:nvSpPr>
+                <p:spPr>
+                  <a:xfrm>
+                    <a:off x="3373711" y="2751692"/>
+                    <a:ext cx="51086" cy="64353"/>
+                  </a:xfrm>
+                  <a:prstGeom prst="roundRect">
+                    <a:avLst/>
+                  </a:prstGeom>
+                  <a:grpFill/>
+                  <a:ln>
+                    <a:noFill/>
+                  </a:ln>
+                </p:spPr>
+                <p:style>
+                  <a:lnRef idx="2">
+                    <a:schemeClr val="accent1">
+                      <a:shade val="50000"/>
+                    </a:schemeClr>
+                  </a:lnRef>
+                  <a:fillRef idx="1">
+                    <a:schemeClr val="accent1"/>
+                  </a:fillRef>
+                  <a:effectRef idx="0">
+                    <a:schemeClr val="accent1"/>
+                  </a:effectRef>
+                  <a:fontRef idx="minor">
+                    <a:schemeClr val="lt1"/>
+                  </a:fontRef>
+                </p:style>
+                <p:txBody>
+                  <a:bodyPr rtlCol="0" anchor="ctr"/>
+                  <a:lstStyle/>
+                  <a:p>
+                    <a:pPr algn="ctr"/>
+                    <a:endParaRPr lang="en-US"/>
+                  </a:p>
+                </p:txBody>
+              </p:sp>
+            </p:grpSp>
+          </p:grpSp>
+        </p:grpSp>
+        <p:sp>
+          <p:nvSpPr>
+            <p:cNvPr id="201" name="Plus 167"/>
+            <p:cNvSpPr>
+              <a:spLocks noChangeAspect="1"/>
+            </p:cNvSpPr>
+            <p:nvPr/>
+          </p:nvSpPr>
+          <p:spPr>
+            <a:xfrm rot="2789166">
+              <a:off x="6643332" y="3745779"/>
+              <a:ext cx="581820" cy="581820"/>
+            </a:xfrm>
+            <a:prstGeom prst="mathPlus">
+              <a:avLst/>
+            </a:prstGeom>
             <a:solidFill>
-              <a:schemeClr val="bg1"/>
+              <a:srgbClr val="C00000"/>
             </a:solidFill>
-          </a:ln>
-        </p:spPr>
-        <p:style>
-          <a:lnRef idx="2">
-            <a:schemeClr val="accent1">
-              <a:shade val="50000"/>
-            </a:schemeClr>
-          </a:lnRef>
-          <a:fillRef idx="1">
-            <a:schemeClr val="accent1"/>
-          </a:fillRef>
-          <a:effectRef idx="0">
-            <a:schemeClr val="accent1"/>
-          </a:effectRef>
-          <a:fontRef idx="minor">
-            <a:schemeClr val="lt1"/>
-          </a:fontRef>
-        </p:style>
-        <p:txBody>
-          <a:bodyPr rtlCol="0" anchor="ctr"/>
-          <a:lstStyle/>
-          <a:p>
-            <a:pPr algn="ctr"/>
-            <a:endParaRPr lang="en-US"/>
-          </a:p>
-        </p:txBody>
-      </p:sp>
+            <a:ln w="38100">
+              <a:solidFill>
+                <a:schemeClr val="bg1"/>
+              </a:solidFill>
+            </a:ln>
+          </p:spPr>
+          <p:style>
+            <a:lnRef idx="2">
+              <a:schemeClr val="accent1">
+                <a:shade val="50000"/>
+              </a:schemeClr>
+            </a:lnRef>
+            <a:fillRef idx="1">
+              <a:schemeClr val="accent1"/>
+            </a:fillRef>
+            <a:effectRef idx="0">
+              <a:schemeClr val="accent1"/>
+            </a:effectRef>
+            <a:fontRef idx="minor">
+              <a:schemeClr val="lt1"/>
+            </a:fontRef>
+          </p:style>
+          <p:txBody>
+            <a:bodyPr rtlCol="0" anchor="ctr"/>
+            <a:lstStyle/>
+            <a:p>
+              <a:pPr algn="ctr"/>
+              <a:endParaRPr lang="en-US"/>
+            </a:p>
+          </p:txBody>
+        </p:sp>
+      </p:grpSp>
       <p:grpSp>
         <p:nvGrpSpPr>
           <p:cNvPr id="205" name="Group 204"/>
@@ -6144,7 +6174,7 @@
       </p:grpSp>
       <p:sp>
         <p:nvSpPr>
-          <p:cNvPr id="234" name="Rectangle 233"/>
+          <p:cNvPr id="234" name="Rectangle: Rounded Corners 233"/>
           <p:cNvSpPr/>
           <p:nvPr/>
         </p:nvSpPr>
@@ -6153,7 +6183,7 @@
             <a:off x="3515999" y="1907786"/>
             <a:ext cx="328108" cy="76721"/>
           </a:xfrm>
-          <a:prstGeom prst="rect">
+          <a:prstGeom prst="roundRect">
             <a:avLst/>
           </a:prstGeom>
           <a:solidFill>
@@ -6190,7 +6220,7 @@
       </p:sp>
       <p:sp>
         <p:nvSpPr>
-          <p:cNvPr id="235" name="Rectangle 234"/>
+          <p:cNvPr id="235" name="Rectangle: Rounded Corners 234"/>
           <p:cNvSpPr/>
           <p:nvPr/>
         </p:nvSpPr>
@@ -6199,7 +6229,7 @@
             <a:off x="3396755" y="1907787"/>
             <a:ext cx="75984" cy="76720"/>
           </a:xfrm>
-          <a:prstGeom prst="rect">
+          <a:prstGeom prst="roundRect">
             <a:avLst/>
           </a:prstGeom>
           <a:solidFill>
@@ -6236,7 +6266,7 @@
       </p:sp>
       <p:sp>
         <p:nvSpPr>
-          <p:cNvPr id="236" name="Rectangle 235"/>
+          <p:cNvPr id="236" name="Rectangle: Rounded Corners 235"/>
           <p:cNvSpPr/>
           <p:nvPr/>
         </p:nvSpPr>
@@ -6245,7 +6275,7 @@
             <a:off x="3515999" y="2225563"/>
             <a:ext cx="328108" cy="76721"/>
           </a:xfrm>
-          <a:prstGeom prst="rect">
+          <a:prstGeom prst="roundRect">
             <a:avLst/>
           </a:prstGeom>
           <a:solidFill>
@@ -6282,7 +6312,7 @@
       </p:sp>
       <p:sp>
         <p:nvSpPr>
-          <p:cNvPr id="237" name="Rectangle 236"/>
+          <p:cNvPr id="237" name="Rectangle: Rounded Corners 236"/>
           <p:cNvSpPr/>
           <p:nvPr/>
         </p:nvSpPr>
@@ -6291,7 +6321,7 @@
             <a:off x="3396755" y="2225564"/>
             <a:ext cx="75984" cy="76720"/>
           </a:xfrm>
-          <a:prstGeom prst="rect">
+          <a:prstGeom prst="roundRect">
             <a:avLst/>
           </a:prstGeom>
           <a:solidFill>
@@ -6328,7 +6358,7 @@
       </p:sp>
       <p:sp>
         <p:nvSpPr>
-          <p:cNvPr id="238" name="Rectangle 237"/>
+          <p:cNvPr id="238" name="Rectangle: Rounded Corners 237"/>
           <p:cNvSpPr/>
           <p:nvPr/>
         </p:nvSpPr>
@@ -6337,7 +6367,7 @@
             <a:off x="3515999" y="2065205"/>
             <a:ext cx="328108" cy="76721"/>
           </a:xfrm>
-          <a:prstGeom prst="rect">
+          <a:prstGeom prst="roundRect">
             <a:avLst/>
           </a:prstGeom>
           <a:solidFill>
@@ -6374,7 +6404,7 @@
       </p:sp>
       <p:sp>
         <p:nvSpPr>
-          <p:cNvPr id="239" name="Rectangle 238"/>
+          <p:cNvPr id="239" name="Rectangle: Rounded Corners 238"/>
           <p:cNvSpPr/>
           <p:nvPr/>
         </p:nvSpPr>
@@ -6383,7 +6413,7 @@
             <a:off x="3396755" y="2065206"/>
             <a:ext cx="75984" cy="76720"/>
           </a:xfrm>
-          <a:prstGeom prst="rect">
+          <a:prstGeom prst="roundRect">
             <a:avLst/>
           </a:prstGeom>
           <a:solidFill>

--- a/doc/Icons-HighlightLab.pptx
+++ b/doc/Icons-HighlightLab.pptx
@@ -5022,8 +5022,8 @@
           <a:lstStyle/>
           <a:p>
             <a:r>
-              <a:rPr lang="en-US" sz="800" dirty="0"/>
-              <a:t>Remove Highlights</a:t>
+              <a:rPr lang="en-US" sz="800"/>
+              <a:t>Remove Highlighting</a:t>
             </a:r>
             <a:endParaRPr lang="en-SG" sz="800" dirty="0"/>
           </a:p>

--- a/doc/Icons-HighlightLab.pptx
+++ b/doc/Icons-HighlightLab.pptx
@@ -221,7 +221,7 @@
           <a:p>
             <a:fld id="{6699ACB9-486C-4D62-A3A7-AF98E13EFDA3}" type="datetimeFigureOut">
               <a:rPr lang="en-US" smtClean="0"/>
-              <a:t>6/6/2017</a:t>
+              <a:t>6/13/2017</a:t>
             </a:fld>
             <a:endParaRPr lang="en-US"/>
           </a:p>
@@ -752,7 +752,7 @@
             <a:fld id="{1D8BD707-D9CF-40AE-B4C6-C98DA3205C09}" type="datetimeFigureOut">
               <a:rPr lang="en-US" smtClean="0"/>
               <a:pPr/>
-              <a:t>6/6/2017</a:t>
+              <a:t>6/13/2017</a:t>
             </a:fld>
             <a:endParaRPr lang="en-US"/>
           </a:p>
@@ -917,7 +917,7 @@
             <a:fld id="{1D8BD707-D9CF-40AE-B4C6-C98DA3205C09}" type="datetimeFigureOut">
               <a:rPr lang="en-US" smtClean="0"/>
               <a:pPr/>
-              <a:t>6/6/2017</a:t>
+              <a:t>6/13/2017</a:t>
             </a:fld>
             <a:endParaRPr lang="en-US"/>
           </a:p>
@@ -1092,7 +1092,7 @@
             <a:fld id="{1D8BD707-D9CF-40AE-B4C6-C98DA3205C09}" type="datetimeFigureOut">
               <a:rPr lang="en-US" smtClean="0"/>
               <a:pPr/>
-              <a:t>6/6/2017</a:t>
+              <a:t>6/13/2017</a:t>
             </a:fld>
             <a:endParaRPr lang="en-US"/>
           </a:p>
@@ -1257,7 +1257,7 @@
             <a:fld id="{1D8BD707-D9CF-40AE-B4C6-C98DA3205C09}" type="datetimeFigureOut">
               <a:rPr lang="en-US" smtClean="0"/>
               <a:pPr/>
-              <a:t>6/6/2017</a:t>
+              <a:t>6/13/2017</a:t>
             </a:fld>
             <a:endParaRPr lang="en-US"/>
           </a:p>
@@ -1499,7 +1499,7 @@
             <a:fld id="{1D8BD707-D9CF-40AE-B4C6-C98DA3205C09}" type="datetimeFigureOut">
               <a:rPr lang="en-US" smtClean="0"/>
               <a:pPr/>
-              <a:t>6/6/2017</a:t>
+              <a:t>6/13/2017</a:t>
             </a:fld>
             <a:endParaRPr lang="en-US"/>
           </a:p>
@@ -1781,7 +1781,7 @@
             <a:fld id="{1D8BD707-D9CF-40AE-B4C6-C98DA3205C09}" type="datetimeFigureOut">
               <a:rPr lang="en-US" smtClean="0"/>
               <a:pPr/>
-              <a:t>6/6/2017</a:t>
+              <a:t>6/13/2017</a:t>
             </a:fld>
             <a:endParaRPr lang="en-US"/>
           </a:p>
@@ -2197,7 +2197,7 @@
             <a:fld id="{1D8BD707-D9CF-40AE-B4C6-C98DA3205C09}" type="datetimeFigureOut">
               <a:rPr lang="en-US" smtClean="0"/>
               <a:pPr/>
-              <a:t>6/6/2017</a:t>
+              <a:t>6/13/2017</a:t>
             </a:fld>
             <a:endParaRPr lang="en-US"/>
           </a:p>
@@ -2311,7 +2311,7 @@
             <a:fld id="{1D8BD707-D9CF-40AE-B4C6-C98DA3205C09}" type="datetimeFigureOut">
               <a:rPr lang="en-US" smtClean="0"/>
               <a:pPr/>
-              <a:t>6/6/2017</a:t>
+              <a:t>6/13/2017</a:t>
             </a:fld>
             <a:endParaRPr lang="en-US"/>
           </a:p>
@@ -2403,7 +2403,7 @@
             <a:fld id="{1D8BD707-D9CF-40AE-B4C6-C98DA3205C09}" type="datetimeFigureOut">
               <a:rPr lang="en-US" smtClean="0"/>
               <a:pPr/>
-              <a:t>6/6/2017</a:t>
+              <a:t>6/13/2017</a:t>
             </a:fld>
             <a:endParaRPr lang="en-US"/>
           </a:p>
@@ -2675,7 +2675,7 @@
             <a:fld id="{1D8BD707-D9CF-40AE-B4C6-C98DA3205C09}" type="datetimeFigureOut">
               <a:rPr lang="en-US" smtClean="0"/>
               <a:pPr/>
-              <a:t>6/6/2017</a:t>
+              <a:t>6/13/2017</a:t>
             </a:fld>
             <a:endParaRPr lang="en-US"/>
           </a:p>
@@ -2924,7 +2924,7 @@
             <a:fld id="{1D8BD707-D9CF-40AE-B4C6-C98DA3205C09}" type="datetimeFigureOut">
               <a:rPr lang="en-US" smtClean="0"/>
               <a:pPr/>
-              <a:t>6/6/2017</a:t>
+              <a:t>6/13/2017</a:t>
             </a:fld>
             <a:endParaRPr lang="en-US"/>
           </a:p>
@@ -3132,7 +3132,7 @@
             <a:fld id="{1D8BD707-D9CF-40AE-B4C6-C98DA3205C09}" type="datetimeFigureOut">
               <a:rPr lang="en-US" smtClean="0"/>
               <a:pPr/>
-              <a:t>6/6/2017</a:t>
+              <a:t>6/13/2017</a:t>
             </a:fld>
             <a:endParaRPr lang="en-US"/>
           </a:p>
@@ -3620,7 +3620,7 @@
       </p:sp>
       <p:grpSp>
         <p:nvGrpSpPr>
-          <p:cNvPr id="87" name="Group 86"/>
+          <p:cNvPr id="3" name="Group 2"/>
           <p:cNvGrpSpPr/>
           <p:nvPr/>
         </p:nvGrpSpPr>
@@ -3628,7 +3628,7 @@
           <a:xfrm>
             <a:off x="7388219" y="3434456"/>
             <a:ext cx="838200" cy="838200"/>
-            <a:chOff x="3200400" y="2361045"/>
+            <a:chOff x="7388219" y="3434456"/>
             <a:chExt cx="838200" cy="838200"/>
           </a:xfrm>
         </p:grpSpPr>
@@ -3640,8 +3640,8 @@
           </p:nvGrpSpPr>
           <p:grpSpPr>
             <a:xfrm>
-              <a:off x="3247174" y="2432490"/>
-              <a:ext cx="741789" cy="559065"/>
+              <a:off x="7434993" y="3505901"/>
+              <a:ext cx="741789" cy="690650"/>
               <a:chOff x="3247174" y="2432490"/>
               <a:chExt cx="741789" cy="559065"/>
             </a:xfrm>
@@ -4022,7 +4022,7 @@
           </p:nvSpPr>
           <p:spPr>
             <a:xfrm>
-              <a:off x="3200400" y="2361045"/>
+              <a:off x="7388219" y="3434456"/>
               <a:ext cx="838200" cy="838200"/>
             </a:xfrm>
             <a:prstGeom prst="rect">
@@ -4091,15 +4091,15 @@
       </p:sp>
       <p:grpSp>
         <p:nvGrpSpPr>
-          <p:cNvPr id="125" name="Group 124"/>
+          <p:cNvPr id="8" name="Group 7"/>
           <p:cNvGrpSpPr/>
           <p:nvPr/>
         </p:nvGrpSpPr>
         <p:grpSpPr>
           <a:xfrm>
-            <a:off x="7375109" y="2180446"/>
+            <a:off x="5303120" y="3428248"/>
             <a:ext cx="838200" cy="838200"/>
-            <a:chOff x="3187290" y="1107035"/>
+            <a:chOff x="5303120" y="3428248"/>
             <a:chExt cx="838200" cy="838200"/>
           </a:xfrm>
         </p:grpSpPr>
@@ -4111,7 +4111,7 @@
           </p:nvSpPr>
           <p:spPr>
             <a:xfrm>
-              <a:off x="3187290" y="1107035"/>
+              <a:off x="5303120" y="3428248"/>
               <a:ext cx="838200" cy="838200"/>
             </a:xfrm>
             <a:prstGeom prst="rect">
@@ -4155,8 +4155,8 @@
           </p:nvGrpSpPr>
           <p:grpSpPr>
             <a:xfrm>
-              <a:off x="3234064" y="1178480"/>
-              <a:ext cx="741789" cy="559065"/>
+              <a:off x="5349894" y="3499693"/>
+              <a:ext cx="741789" cy="696858"/>
               <a:chOff x="3234064" y="1178480"/>
               <a:chExt cx="741789" cy="559065"/>
             </a:xfrm>
@@ -4577,494 +4577,41 @@
       </p:grpSp>
       <p:grpSp>
         <p:nvGrpSpPr>
-          <p:cNvPr id="146" name="Group 145"/>
+          <p:cNvPr id="7" name="Group 6"/>
           <p:cNvGrpSpPr/>
           <p:nvPr/>
         </p:nvGrpSpPr>
         <p:grpSpPr>
           <a:xfrm>
-            <a:off x="6291590" y="2180446"/>
+            <a:off x="4219601" y="3428248"/>
             <a:ext cx="838200" cy="838200"/>
-            <a:chOff x="2103771" y="1107035"/>
+            <a:chOff x="4219601" y="3428248"/>
             <a:chExt cx="838200" cy="838200"/>
           </a:xfrm>
         </p:grpSpPr>
-        <p:sp>
-          <p:nvSpPr>
-            <p:cNvPr id="147" name="Rectangle 146"/>
-            <p:cNvSpPr/>
-            <p:nvPr/>
-          </p:nvSpPr>
-          <p:spPr>
-            <a:xfrm>
-              <a:off x="2150016" y="1187458"/>
-              <a:ext cx="741789" cy="559065"/>
-            </a:xfrm>
-            <a:prstGeom prst="rect">
-              <a:avLst/>
-            </a:prstGeom>
-            <a:solidFill>
-              <a:srgbClr val="0070C0"/>
-            </a:solidFill>
-            <a:ln>
-              <a:noFill/>
-            </a:ln>
-          </p:spPr>
-          <p:style>
-            <a:lnRef idx="2">
-              <a:schemeClr val="accent1">
-                <a:shade val="50000"/>
-              </a:schemeClr>
-            </a:lnRef>
-            <a:fillRef idx="1">
-              <a:schemeClr val="accent1"/>
-            </a:fillRef>
-            <a:effectRef idx="0">
-              <a:schemeClr val="accent1"/>
-            </a:effectRef>
-            <a:fontRef idx="minor">
-              <a:schemeClr val="lt1"/>
-            </a:fontRef>
-          </p:style>
-          <p:txBody>
-            <a:bodyPr rtlCol="0" anchor="ctr"/>
-            <a:lstStyle/>
-            <a:p>
-              <a:pPr algn="ctr"/>
-              <a:endParaRPr lang="en-US"/>
-            </a:p>
-          </p:txBody>
-        </p:sp>
-        <p:sp>
-          <p:nvSpPr>
-            <p:cNvPr id="148" name="Rounded Rectangle 172"/>
-            <p:cNvSpPr/>
-            <p:nvPr/>
-          </p:nvSpPr>
-          <p:spPr>
-            <a:xfrm>
-              <a:off x="2276552" y="1268296"/>
-              <a:ext cx="518999" cy="73271"/>
-            </a:xfrm>
-            <a:prstGeom prst="roundRect">
-              <a:avLst/>
-            </a:prstGeom>
-            <a:solidFill>
-              <a:schemeClr val="bg1"/>
-            </a:solidFill>
-            <a:ln>
-              <a:noFill/>
-            </a:ln>
-          </p:spPr>
-          <p:style>
-            <a:lnRef idx="2">
-              <a:schemeClr val="accent1">
-                <a:shade val="50000"/>
-              </a:schemeClr>
-            </a:lnRef>
-            <a:fillRef idx="1">
-              <a:schemeClr val="accent1"/>
-            </a:fillRef>
-            <a:effectRef idx="0">
-              <a:schemeClr val="accent1"/>
-            </a:effectRef>
-            <a:fontRef idx="minor">
-              <a:schemeClr val="lt1"/>
-            </a:fontRef>
-          </p:style>
-          <p:txBody>
-            <a:bodyPr rtlCol="0" anchor="ctr"/>
-            <a:lstStyle/>
-            <a:p>
-              <a:pPr algn="ctr"/>
-              <a:endParaRPr lang="en-US"/>
-            </a:p>
-          </p:txBody>
-        </p:sp>
-        <p:sp>
-          <p:nvSpPr>
-            <p:cNvPr id="153" name="Rounded Rectangle 170"/>
-            <p:cNvSpPr/>
-            <p:nvPr/>
-          </p:nvSpPr>
-          <p:spPr>
-            <a:xfrm>
-              <a:off x="2276208" y="1616319"/>
-              <a:ext cx="259844" cy="64111"/>
-            </a:xfrm>
-            <a:prstGeom prst="roundRect">
-              <a:avLst/>
-            </a:prstGeom>
-            <a:solidFill>
-              <a:schemeClr val="bg1"/>
-            </a:solidFill>
-            <a:ln>
-              <a:noFill/>
-            </a:ln>
-          </p:spPr>
-          <p:style>
-            <a:lnRef idx="2">
-              <a:schemeClr val="accent1">
-                <a:shade val="50000"/>
-              </a:schemeClr>
-            </a:lnRef>
-            <a:fillRef idx="1">
-              <a:schemeClr val="accent1"/>
-            </a:fillRef>
-            <a:effectRef idx="0">
-              <a:schemeClr val="accent1"/>
-            </a:effectRef>
-            <a:fontRef idx="minor">
-              <a:schemeClr val="lt1"/>
-            </a:fontRef>
-          </p:style>
-          <p:txBody>
-            <a:bodyPr rtlCol="0" anchor="ctr"/>
-            <a:lstStyle/>
-            <a:p>
-              <a:pPr algn="ctr"/>
-              <a:endParaRPr lang="en-US"/>
-            </a:p>
-          </p:txBody>
-        </p:sp>
-        <p:sp>
-          <p:nvSpPr>
-            <p:cNvPr id="157" name="Rectangle 156"/>
-            <p:cNvSpPr/>
-            <p:nvPr/>
-          </p:nvSpPr>
-          <p:spPr>
-            <a:xfrm>
-              <a:off x="2466976" y="1394200"/>
-              <a:ext cx="331440" cy="152818"/>
-            </a:xfrm>
-            <a:prstGeom prst="rect">
-              <a:avLst/>
-            </a:prstGeom>
-            <a:solidFill>
-              <a:srgbClr val="F79646"/>
-            </a:solidFill>
-            <a:ln>
-              <a:noFill/>
-            </a:ln>
-          </p:spPr>
-          <p:style>
-            <a:lnRef idx="2">
-              <a:schemeClr val="accent1">
-                <a:shade val="50000"/>
-              </a:schemeClr>
-            </a:lnRef>
-            <a:fillRef idx="1">
-              <a:schemeClr val="accent1"/>
-            </a:fillRef>
-            <a:effectRef idx="0">
-              <a:schemeClr val="accent1"/>
-            </a:effectRef>
-            <a:fontRef idx="minor">
-              <a:schemeClr val="lt1"/>
-            </a:fontRef>
-          </p:style>
-          <p:txBody>
-            <a:bodyPr rtlCol="0" anchor="ctr"/>
-            <a:lstStyle/>
-            <a:p>
-              <a:pPr algn="ctr"/>
-              <a:endParaRPr lang="en-SG"/>
-            </a:p>
-          </p:txBody>
-        </p:sp>
         <p:grpSp>
           <p:nvGrpSpPr>
-            <p:cNvPr id="158" name="Group 157"/>
+            <p:cNvPr id="6" name="Group 5"/>
             <p:cNvGrpSpPr/>
             <p:nvPr/>
           </p:nvGrpSpPr>
           <p:grpSpPr>
             <a:xfrm>
-              <a:off x="2276552" y="1442307"/>
-              <a:ext cx="463473" cy="64353"/>
-              <a:chOff x="3373710" y="2751692"/>
-              <a:chExt cx="463473" cy="64353"/>
+              <a:off x="4280987" y="3516732"/>
+              <a:ext cx="741789" cy="679819"/>
+              <a:chOff x="4280987" y="3516732"/>
+              <a:chExt cx="741789" cy="559065"/>
             </a:xfrm>
-            <a:solidFill>
-              <a:schemeClr val="bg1"/>
-            </a:solidFill>
           </p:grpSpPr>
           <p:sp>
             <p:nvSpPr>
-              <p:cNvPr id="160" name="Rounded Rectangle 160"/>
+              <p:cNvPr id="147" name="Rectangle 146"/>
               <p:cNvSpPr/>
               <p:nvPr/>
             </p:nvSpPr>
             <p:spPr>
               <a:xfrm>
-                <a:off x="3618068" y="2751692"/>
-                <a:ext cx="219115" cy="64353"/>
-              </a:xfrm>
-              <a:prstGeom prst="roundRect">
-                <a:avLst/>
-              </a:prstGeom>
-              <a:grpFill/>
-              <a:ln>
-                <a:noFill/>
-              </a:ln>
-            </p:spPr>
-            <p:style>
-              <a:lnRef idx="2">
-                <a:schemeClr val="accent1">
-                  <a:shade val="50000"/>
-                </a:schemeClr>
-              </a:lnRef>
-              <a:fillRef idx="1">
-                <a:schemeClr val="accent1"/>
-              </a:fillRef>
-              <a:effectRef idx="0">
-                <a:schemeClr val="accent1"/>
-              </a:effectRef>
-              <a:fontRef idx="minor">
-                <a:schemeClr val="lt1"/>
-              </a:fontRef>
-            </p:style>
-            <p:txBody>
-              <a:bodyPr rtlCol="0" anchor="ctr"/>
-              <a:lstStyle/>
-              <a:p>
-                <a:pPr algn="ctr"/>
-                <a:endParaRPr lang="en-US"/>
-              </a:p>
-            </p:txBody>
-          </p:sp>
-          <p:sp>
-            <p:nvSpPr>
-              <p:cNvPr id="161" name="Rounded Rectangle 163"/>
-              <p:cNvSpPr/>
-              <p:nvPr/>
-            </p:nvSpPr>
-            <p:spPr>
-              <a:xfrm>
-                <a:off x="3373710" y="2751692"/>
-                <a:ext cx="154685" cy="64353"/>
-              </a:xfrm>
-              <a:prstGeom prst="roundRect">
-                <a:avLst/>
-              </a:prstGeom>
-              <a:grpFill/>
-              <a:ln>
-                <a:noFill/>
-              </a:ln>
-            </p:spPr>
-            <p:style>
-              <a:lnRef idx="2">
-                <a:schemeClr val="accent1">
-                  <a:shade val="50000"/>
-                </a:schemeClr>
-              </a:lnRef>
-              <a:fillRef idx="1">
-                <a:schemeClr val="accent1"/>
-              </a:fillRef>
-              <a:effectRef idx="0">
-                <a:schemeClr val="accent1"/>
-              </a:effectRef>
-              <a:fontRef idx="minor">
-                <a:schemeClr val="lt1"/>
-              </a:fontRef>
-            </p:style>
-            <p:txBody>
-              <a:bodyPr rtlCol="0" anchor="ctr"/>
-              <a:lstStyle/>
-              <a:p>
-                <a:pPr algn="ctr"/>
-                <a:endParaRPr lang="en-US"/>
-              </a:p>
-            </p:txBody>
-          </p:sp>
-        </p:grpSp>
-        <p:sp>
-          <p:nvSpPr>
-            <p:cNvPr id="159" name="Rectangle 158"/>
-            <p:cNvSpPr/>
-            <p:nvPr/>
-          </p:nvSpPr>
-          <p:spPr>
-            <a:xfrm>
-              <a:off x="2103771" y="1107035"/>
-              <a:ext cx="838200" cy="838200"/>
-            </a:xfrm>
-            <a:prstGeom prst="rect">
-              <a:avLst/>
-            </a:prstGeom>
-            <a:noFill/>
-            <a:ln>
-              <a:noFill/>
-            </a:ln>
-          </p:spPr>
-          <p:style>
-            <a:lnRef idx="2">
-              <a:schemeClr val="accent1">
-                <a:shade val="50000"/>
-              </a:schemeClr>
-            </a:lnRef>
-            <a:fillRef idx="1">
-              <a:schemeClr val="accent1"/>
-            </a:fillRef>
-            <a:effectRef idx="0">
-              <a:schemeClr val="accent1"/>
-            </a:effectRef>
-            <a:fontRef idx="minor">
-              <a:schemeClr val="lt1"/>
-            </a:fontRef>
-          </p:style>
-          <p:txBody>
-            <a:bodyPr rtlCol="0" anchor="ctr"/>
-            <a:lstStyle/>
-            <a:p>
-              <a:pPr algn="ctr"/>
-              <a:endParaRPr lang="en-SG"/>
-            </a:p>
-          </p:txBody>
-        </p:sp>
-      </p:grpSp>
-      <p:sp>
-        <p:nvSpPr>
-          <p:cNvPr id="162" name="TextBox 161"/>
-          <p:cNvSpPr txBox="1"/>
-          <p:nvPr/>
-        </p:nvSpPr>
-        <p:spPr>
-          <a:xfrm>
-            <a:off x="6259638" y="3018646"/>
-            <a:ext cx="916799" cy="215444"/>
-          </a:xfrm>
-          <a:prstGeom prst="rect">
-            <a:avLst/>
-          </a:prstGeom>
-          <a:noFill/>
-        </p:spPr>
-        <p:txBody>
-          <a:bodyPr wrap="square" rtlCol="0">
-            <a:spAutoFit/>
-          </a:bodyPr>
-          <a:lstStyle/>
-          <a:p>
-            <a:r>
-              <a:rPr lang="en-US" sz="800" dirty="0"/>
-              <a:t>Highlight words</a:t>
-            </a:r>
-            <a:endParaRPr lang="en-SG" sz="800" dirty="0"/>
-          </a:p>
-        </p:txBody>
-      </p:sp>
-      <p:sp>
-        <p:nvSpPr>
-          <p:cNvPr id="163" name="TextBox 162"/>
-          <p:cNvSpPr txBox="1"/>
-          <p:nvPr/>
-        </p:nvSpPr>
-        <p:spPr>
-          <a:xfrm>
-            <a:off x="7345513" y="3030881"/>
-            <a:ext cx="916799" cy="338554"/>
-          </a:xfrm>
-          <a:prstGeom prst="rect">
-            <a:avLst/>
-          </a:prstGeom>
-          <a:noFill/>
-        </p:spPr>
-        <p:txBody>
-          <a:bodyPr wrap="square" rtlCol="0">
-            <a:spAutoFit/>
-          </a:bodyPr>
-          <a:lstStyle/>
-          <a:p>
-            <a:r>
-              <a:rPr lang="en-US" sz="800" dirty="0"/>
-              <a:t>Highlight background</a:t>
-            </a:r>
-            <a:endParaRPr lang="en-SG" sz="800" dirty="0"/>
-          </a:p>
-        </p:txBody>
-      </p:sp>
-      <p:grpSp>
-        <p:nvGrpSpPr>
-          <p:cNvPr id="166" name="Group 165"/>
-          <p:cNvGrpSpPr/>
-          <p:nvPr/>
-        </p:nvGrpSpPr>
-        <p:grpSpPr>
-          <a:xfrm>
-            <a:off x="6310790" y="3428248"/>
-            <a:ext cx="838200" cy="838200"/>
-            <a:chOff x="3187290" y="1107035"/>
-            <a:chExt cx="838200" cy="838200"/>
-          </a:xfrm>
-        </p:grpSpPr>
-        <p:sp>
-          <p:nvSpPr>
-            <p:cNvPr id="167" name="Rectangle 166"/>
-            <p:cNvSpPr/>
-            <p:nvPr/>
-          </p:nvSpPr>
-          <p:spPr>
-            <a:xfrm>
-              <a:off x="3187290" y="1107035"/>
-              <a:ext cx="838200" cy="838200"/>
-            </a:xfrm>
-            <a:prstGeom prst="rect">
-              <a:avLst/>
-            </a:prstGeom>
-            <a:noFill/>
-            <a:ln>
-              <a:noFill/>
-            </a:ln>
-          </p:spPr>
-          <p:style>
-            <a:lnRef idx="2">
-              <a:schemeClr val="accent1">
-                <a:shade val="50000"/>
-              </a:schemeClr>
-            </a:lnRef>
-            <a:fillRef idx="1">
-              <a:schemeClr val="accent1"/>
-            </a:fillRef>
-            <a:effectRef idx="0">
-              <a:schemeClr val="accent1"/>
-            </a:effectRef>
-            <a:fontRef idx="minor">
-              <a:schemeClr val="lt1"/>
-            </a:fontRef>
-          </p:style>
-          <p:txBody>
-            <a:bodyPr rtlCol="0" anchor="ctr"/>
-            <a:lstStyle/>
-            <a:p>
-              <a:pPr algn="ctr"/>
-              <a:endParaRPr lang="en-SG"/>
-            </a:p>
-          </p:txBody>
-        </p:sp>
-        <p:grpSp>
-          <p:nvGrpSpPr>
-            <p:cNvPr id="168" name="Group 167"/>
-            <p:cNvGrpSpPr/>
-            <p:nvPr/>
-          </p:nvGrpSpPr>
-          <p:grpSpPr>
-            <a:xfrm>
-              <a:off x="3234064" y="1178480"/>
-              <a:ext cx="741789" cy="559065"/>
-              <a:chOff x="3234064" y="1178480"/>
-              <a:chExt cx="741789" cy="559065"/>
-            </a:xfrm>
-          </p:grpSpPr>
-          <p:sp>
-            <p:nvSpPr>
-              <p:cNvPr id="169" name="Rectangle 168"/>
-              <p:cNvSpPr/>
-              <p:nvPr/>
-            </p:nvSpPr>
-            <p:spPr>
-              <a:xfrm>
-                <a:off x="3234064" y="1178480"/>
+                <a:off x="4280987" y="3516732"/>
                 <a:ext cx="741789" cy="559065"/>
               </a:xfrm>
               <a:prstGeom prst="rect">
@@ -5102,230 +4649,108 @@
               </a:p>
             </p:txBody>
           </p:sp>
-          <p:grpSp>
-            <p:nvGrpSpPr>
-              <p:cNvPr id="170" name="Group 169"/>
-              <p:cNvGrpSpPr/>
-              <p:nvPr/>
-            </p:nvGrpSpPr>
-            <p:grpSpPr>
-              <a:xfrm>
-                <a:off x="3357392" y="1259318"/>
-                <a:ext cx="522207" cy="64353"/>
-                <a:chOff x="3370502" y="2494280"/>
-                <a:chExt cx="522207" cy="64353"/>
-              </a:xfrm>
-            </p:grpSpPr>
-            <p:sp>
-              <p:nvSpPr>
-                <p:cNvPr id="186" name="Rounded Rectangle 182"/>
-                <p:cNvSpPr/>
-                <p:nvPr/>
-              </p:nvSpPr>
-              <p:spPr>
-                <a:xfrm>
-                  <a:off x="3483859" y="2494280"/>
-                  <a:ext cx="408850" cy="64353"/>
-                </a:xfrm>
-                <a:prstGeom prst="roundRect">
-                  <a:avLst/>
-                </a:prstGeom>
-                <a:solidFill>
-                  <a:schemeClr val="bg1"/>
-                </a:solidFill>
-                <a:ln>
-                  <a:noFill/>
-                </a:ln>
-              </p:spPr>
-              <p:style>
-                <a:lnRef idx="2">
-                  <a:schemeClr val="accent1">
-                    <a:shade val="50000"/>
-                  </a:schemeClr>
-                </a:lnRef>
-                <a:fillRef idx="1">
-                  <a:schemeClr val="accent1"/>
-                </a:fillRef>
-                <a:effectRef idx="0">
-                  <a:schemeClr val="accent1"/>
-                </a:effectRef>
-                <a:fontRef idx="minor">
-                  <a:schemeClr val="lt1"/>
-                </a:fontRef>
-              </p:style>
-              <p:txBody>
-                <a:bodyPr rtlCol="0" anchor="ctr"/>
-                <a:lstStyle/>
-                <a:p>
-                  <a:pPr algn="ctr"/>
-                  <a:endParaRPr lang="en-US"/>
-                </a:p>
-              </p:txBody>
-            </p:sp>
-            <p:sp>
-              <p:nvSpPr>
-                <p:cNvPr id="199" name="Rounded Rectangle 183"/>
-                <p:cNvSpPr/>
-                <p:nvPr/>
-              </p:nvSpPr>
-              <p:spPr>
-                <a:xfrm>
-                  <a:off x="3370502" y="2494280"/>
-                  <a:ext cx="51086" cy="64353"/>
-                </a:xfrm>
-                <a:prstGeom prst="roundRect">
-                  <a:avLst/>
-                </a:prstGeom>
-                <a:solidFill>
-                  <a:schemeClr val="bg1"/>
-                </a:solidFill>
-                <a:ln>
-                  <a:noFill/>
-                </a:ln>
-              </p:spPr>
-              <p:style>
-                <a:lnRef idx="2">
-                  <a:schemeClr val="accent1">
-                    <a:shade val="50000"/>
-                  </a:schemeClr>
-                </a:lnRef>
-                <a:fillRef idx="1">
-                  <a:schemeClr val="accent1"/>
-                </a:fillRef>
-                <a:effectRef idx="0">
-                  <a:schemeClr val="accent1"/>
-                </a:effectRef>
-                <a:fontRef idx="minor">
-                  <a:schemeClr val="lt1"/>
-                </a:fontRef>
-              </p:style>
-              <p:txBody>
-                <a:bodyPr rtlCol="0" anchor="ctr"/>
-                <a:lstStyle/>
-                <a:p>
-                  <a:pPr algn="ctr"/>
-                  <a:endParaRPr lang="en-US"/>
-                </a:p>
-              </p:txBody>
-            </p:sp>
-          </p:grpSp>
-          <p:grpSp>
-            <p:nvGrpSpPr>
-              <p:cNvPr id="171" name="Group 170"/>
-              <p:cNvGrpSpPr/>
-              <p:nvPr/>
-            </p:nvGrpSpPr>
-            <p:grpSpPr>
-              <a:xfrm>
-                <a:off x="3360256" y="1607340"/>
-                <a:ext cx="522207" cy="64353"/>
-                <a:chOff x="3373366" y="2880398"/>
-                <a:chExt cx="522207" cy="64353"/>
-              </a:xfrm>
-            </p:grpSpPr>
-            <p:sp>
-              <p:nvSpPr>
-                <p:cNvPr id="184" name="Rounded Rectangle 178"/>
-                <p:cNvSpPr/>
-                <p:nvPr/>
-              </p:nvSpPr>
-              <p:spPr>
-                <a:xfrm>
-                  <a:off x="3486723" y="2880398"/>
-                  <a:ext cx="408850" cy="64353"/>
-                </a:xfrm>
-                <a:prstGeom prst="roundRect">
-                  <a:avLst/>
-                </a:prstGeom>
-                <a:solidFill>
-                  <a:schemeClr val="bg1"/>
-                </a:solidFill>
-                <a:ln>
-                  <a:noFill/>
-                </a:ln>
-              </p:spPr>
-              <p:style>
-                <a:lnRef idx="2">
-                  <a:schemeClr val="accent1">
-                    <a:shade val="50000"/>
-                  </a:schemeClr>
-                </a:lnRef>
-                <a:fillRef idx="1">
-                  <a:schemeClr val="accent1"/>
-                </a:fillRef>
-                <a:effectRef idx="0">
-                  <a:schemeClr val="accent1"/>
-                </a:effectRef>
-                <a:fontRef idx="minor">
-                  <a:schemeClr val="lt1"/>
-                </a:fontRef>
-              </p:style>
-              <p:txBody>
-                <a:bodyPr rtlCol="0" anchor="ctr"/>
-                <a:lstStyle/>
-                <a:p>
-                  <a:pPr algn="ctr"/>
-                  <a:endParaRPr lang="en-US"/>
-                </a:p>
-              </p:txBody>
-            </p:sp>
-            <p:sp>
-              <p:nvSpPr>
-                <p:cNvPr id="185" name="Rounded Rectangle 179"/>
-                <p:cNvSpPr/>
-                <p:nvPr/>
-              </p:nvSpPr>
-              <p:spPr>
-                <a:xfrm>
-                  <a:off x="3373366" y="2880398"/>
-                  <a:ext cx="51086" cy="64353"/>
-                </a:xfrm>
-                <a:prstGeom prst="roundRect">
-                  <a:avLst/>
-                </a:prstGeom>
-                <a:solidFill>
-                  <a:schemeClr val="bg1"/>
-                </a:solidFill>
-                <a:ln>
-                  <a:noFill/>
-                </a:ln>
-              </p:spPr>
-              <p:style>
-                <a:lnRef idx="2">
-                  <a:schemeClr val="accent1">
-                    <a:shade val="50000"/>
-                  </a:schemeClr>
-                </a:lnRef>
-                <a:fillRef idx="1">
-                  <a:schemeClr val="accent1"/>
-                </a:fillRef>
-                <a:effectRef idx="0">
-                  <a:schemeClr val="accent1"/>
-                </a:effectRef>
-                <a:fontRef idx="minor">
-                  <a:schemeClr val="lt1"/>
-                </a:fontRef>
-              </p:style>
-              <p:txBody>
-                <a:bodyPr rtlCol="0" anchor="ctr"/>
-                <a:lstStyle/>
-                <a:p>
-                  <a:pPr algn="ctr"/>
-                  <a:endParaRPr lang="en-US"/>
-                </a:p>
-              </p:txBody>
-            </p:sp>
-          </p:grpSp>
           <p:sp>
             <p:nvSpPr>
-              <p:cNvPr id="172" name="Rectangle 171"/>
+              <p:cNvPr id="148" name="Rounded Rectangle 172"/>
               <p:cNvSpPr/>
               <p:nvPr/>
             </p:nvSpPr>
             <p:spPr>
               <a:xfrm>
-                <a:off x="3234064" y="1385222"/>
-                <a:ext cx="741789" cy="152818"/>
+                <a:off x="4392382" y="3589509"/>
+                <a:ext cx="518999" cy="73271"/>
+              </a:xfrm>
+              <a:prstGeom prst="roundRect">
+                <a:avLst/>
+              </a:prstGeom>
+              <a:solidFill>
+                <a:schemeClr val="bg1"/>
+              </a:solidFill>
+              <a:ln>
+                <a:noFill/>
+              </a:ln>
+            </p:spPr>
+            <p:style>
+              <a:lnRef idx="2">
+                <a:schemeClr val="accent1">
+                  <a:shade val="50000"/>
+                </a:schemeClr>
+              </a:lnRef>
+              <a:fillRef idx="1">
+                <a:schemeClr val="accent1"/>
+              </a:fillRef>
+              <a:effectRef idx="0">
+                <a:schemeClr val="accent1"/>
+              </a:effectRef>
+              <a:fontRef idx="minor">
+                <a:schemeClr val="lt1"/>
+              </a:fontRef>
+            </p:style>
+            <p:txBody>
+              <a:bodyPr rtlCol="0" anchor="ctr"/>
+              <a:lstStyle/>
+              <a:p>
+                <a:pPr algn="ctr"/>
+                <a:endParaRPr lang="en-US"/>
+              </a:p>
+            </p:txBody>
+          </p:sp>
+          <p:sp>
+            <p:nvSpPr>
+              <p:cNvPr id="153" name="Rounded Rectangle 170"/>
+              <p:cNvSpPr/>
+              <p:nvPr/>
+            </p:nvSpPr>
+            <p:spPr>
+              <a:xfrm>
+                <a:off x="4392038" y="3937532"/>
+                <a:ext cx="259844" cy="64111"/>
+              </a:xfrm>
+              <a:prstGeom prst="roundRect">
+                <a:avLst/>
+              </a:prstGeom>
+              <a:solidFill>
+                <a:schemeClr val="bg1"/>
+              </a:solidFill>
+              <a:ln>
+                <a:noFill/>
+              </a:ln>
+            </p:spPr>
+            <p:style>
+              <a:lnRef idx="2">
+                <a:schemeClr val="accent1">
+                  <a:shade val="50000"/>
+                </a:schemeClr>
+              </a:lnRef>
+              <a:fillRef idx="1">
+                <a:schemeClr val="accent1"/>
+              </a:fillRef>
+              <a:effectRef idx="0">
+                <a:schemeClr val="accent1"/>
+              </a:effectRef>
+              <a:fontRef idx="minor">
+                <a:schemeClr val="lt1"/>
+              </a:fontRef>
+            </p:style>
+            <p:txBody>
+              <a:bodyPr rtlCol="0" anchor="ctr"/>
+              <a:lstStyle/>
+              <a:p>
+                <a:pPr algn="ctr"/>
+                <a:endParaRPr lang="en-US"/>
+              </a:p>
+            </p:txBody>
+          </p:sp>
+          <p:sp>
+            <p:nvSpPr>
+              <p:cNvPr id="157" name="Rectangle 156"/>
+              <p:cNvSpPr/>
+              <p:nvPr/>
+            </p:nvSpPr>
+            <p:spPr>
+              <a:xfrm>
+                <a:off x="4582806" y="3715413"/>
+                <a:ext cx="331440" cy="152818"/>
               </a:xfrm>
               <a:prstGeom prst="rect">
                 <a:avLst/>
@@ -5364,16 +4789,16 @@
           </p:sp>
           <p:grpSp>
             <p:nvGrpSpPr>
-              <p:cNvPr id="173" name="Group 172"/>
+              <p:cNvPr id="158" name="Group 157"/>
               <p:cNvGrpSpPr/>
               <p:nvPr/>
             </p:nvGrpSpPr>
             <p:grpSpPr>
               <a:xfrm>
-                <a:off x="3360601" y="1433329"/>
-                <a:ext cx="522207" cy="64353"/>
-                <a:chOff x="3373711" y="2751692"/>
-                <a:chExt cx="522207" cy="64353"/>
+                <a:off x="4392382" y="3763520"/>
+                <a:ext cx="463473" cy="64353"/>
+                <a:chOff x="3373710" y="2751692"/>
+                <a:chExt cx="463473" cy="64353"/>
               </a:xfrm>
               <a:solidFill>
                 <a:schemeClr val="bg1"/>
@@ -5381,14 +4806,14 @@
             </p:grpSpPr>
             <p:sp>
               <p:nvSpPr>
-                <p:cNvPr id="182" name="Rounded Rectangle 180"/>
+                <p:cNvPr id="160" name="Rounded Rectangle 160"/>
                 <p:cNvSpPr/>
                 <p:nvPr/>
               </p:nvSpPr>
               <p:spPr>
                 <a:xfrm>
-                  <a:off x="3487068" y="2751692"/>
-                  <a:ext cx="408850" cy="64353"/>
+                  <a:off x="3618068" y="2751692"/>
+                  <a:ext cx="219115" cy="64353"/>
                 </a:xfrm>
                 <a:prstGeom prst="roundRect">
                   <a:avLst/>
@@ -5425,14 +4850,14 @@
             </p:sp>
             <p:sp>
               <p:nvSpPr>
-                <p:cNvPr id="183" name="Rounded Rectangle 181"/>
+                <p:cNvPr id="161" name="Rounded Rectangle 163"/>
                 <p:cNvSpPr/>
                 <p:nvPr/>
               </p:nvSpPr>
               <p:spPr>
                 <a:xfrm>
-                  <a:off x="3373711" y="2751692"/>
-                  <a:ext cx="51086" cy="64353"/>
+                  <a:off x="3373710" y="2751692"/>
+                  <a:ext cx="154685" cy="64353"/>
                 </a:xfrm>
                 <a:prstGeom prst="roundRect">
                   <a:avLst/>
@@ -5469,7 +4894,111 @@
             </p:sp>
           </p:grpSp>
         </p:grpSp>
+        <p:sp>
+          <p:nvSpPr>
+            <p:cNvPr id="159" name="Rectangle 158"/>
+            <p:cNvSpPr/>
+            <p:nvPr/>
+          </p:nvSpPr>
+          <p:spPr>
+            <a:xfrm>
+              <a:off x="4219601" y="3428248"/>
+              <a:ext cx="838200" cy="838200"/>
+            </a:xfrm>
+            <a:prstGeom prst="rect">
+              <a:avLst/>
+            </a:prstGeom>
+            <a:noFill/>
+            <a:ln>
+              <a:noFill/>
+            </a:ln>
+          </p:spPr>
+          <p:style>
+            <a:lnRef idx="2">
+              <a:schemeClr val="accent1">
+                <a:shade val="50000"/>
+              </a:schemeClr>
+            </a:lnRef>
+            <a:fillRef idx="1">
+              <a:schemeClr val="accent1"/>
+            </a:fillRef>
+            <a:effectRef idx="0">
+              <a:schemeClr val="accent1"/>
+            </a:effectRef>
+            <a:fontRef idx="minor">
+              <a:schemeClr val="lt1"/>
+            </a:fontRef>
+          </p:style>
+          <p:txBody>
+            <a:bodyPr rtlCol="0" anchor="ctr"/>
+            <a:lstStyle/>
+            <a:p>
+              <a:pPr algn="ctr"/>
+              <a:endParaRPr lang="en-SG"/>
+            </a:p>
+          </p:txBody>
+        </p:sp>
       </p:grpSp>
+      <p:sp>
+        <p:nvSpPr>
+          <p:cNvPr id="162" name="TextBox 161"/>
+          <p:cNvSpPr txBox="1"/>
+          <p:nvPr/>
+        </p:nvSpPr>
+        <p:spPr>
+          <a:xfrm>
+            <a:off x="4187649" y="4266448"/>
+            <a:ext cx="916799" cy="215444"/>
+          </a:xfrm>
+          <a:prstGeom prst="rect">
+            <a:avLst/>
+          </a:prstGeom>
+          <a:noFill/>
+        </p:spPr>
+        <p:txBody>
+          <a:bodyPr wrap="square" rtlCol="0">
+            <a:spAutoFit/>
+          </a:bodyPr>
+          <a:lstStyle/>
+          <a:p>
+            <a:r>
+              <a:rPr lang="en-US" sz="800" dirty="0"/>
+              <a:t>Highlight words</a:t>
+            </a:r>
+            <a:endParaRPr lang="en-SG" sz="800" dirty="0"/>
+          </a:p>
+        </p:txBody>
+      </p:sp>
+      <p:sp>
+        <p:nvSpPr>
+          <p:cNvPr id="163" name="TextBox 162"/>
+          <p:cNvSpPr txBox="1"/>
+          <p:nvPr/>
+        </p:nvSpPr>
+        <p:spPr>
+          <a:xfrm>
+            <a:off x="5273524" y="4278683"/>
+            <a:ext cx="916799" cy="338554"/>
+          </a:xfrm>
+          <a:prstGeom prst="rect">
+            <a:avLst/>
+          </a:prstGeom>
+          <a:noFill/>
+        </p:spPr>
+        <p:txBody>
+          <a:bodyPr wrap="square" rtlCol="0">
+            <a:spAutoFit/>
+          </a:bodyPr>
+          <a:lstStyle/>
+          <a:p>
+            <a:r>
+              <a:rPr lang="en-US" sz="800" dirty="0"/>
+              <a:t>Highlight background</a:t>
+            </a:r>
+            <a:endParaRPr lang="en-SG" sz="800" dirty="0"/>
+          </a:p>
+        </p:txBody>
+      </p:sp>
       <p:sp>
         <p:nvSpPr>
           <p:cNvPr id="200" name="TextBox 199"/>
@@ -5493,63 +5022,564 @@
           <a:lstStyle/>
           <a:p>
             <a:r>
-              <a:rPr lang="en-US" sz="800" dirty="0"/>
-              <a:t>Remove Highlights</a:t>
+              <a:rPr lang="en-US" sz="800"/>
+              <a:t>Remove Highlighting</a:t>
             </a:r>
             <a:endParaRPr lang="en-SG" sz="800" dirty="0"/>
           </a:p>
         </p:txBody>
       </p:sp>
-      <p:sp>
-        <p:nvSpPr>
-          <p:cNvPr id="201" name="Plus 167"/>
-          <p:cNvSpPr>
-            <a:spLocks noChangeAspect="1"/>
-          </p:cNvSpPr>
+      <p:grpSp>
+        <p:nvGrpSpPr>
+          <p:cNvPr id="10" name="Group 9"/>
+          <p:cNvGrpSpPr/>
           <p:nvPr/>
-        </p:nvSpPr>
-        <p:spPr>
-          <a:xfrm rot="2789166">
-            <a:off x="6643332" y="3635713"/>
-            <a:ext cx="581820" cy="581820"/>
+        </p:nvGrpSpPr>
+        <p:grpSpPr>
+          <a:xfrm>
+            <a:off x="6310790" y="3428248"/>
+            <a:ext cx="914362" cy="899351"/>
+            <a:chOff x="6310790" y="3428248"/>
+            <a:chExt cx="914362" cy="899351"/>
           </a:xfrm>
-          <a:prstGeom prst="mathPlus">
-            <a:avLst/>
-          </a:prstGeom>
-          <a:solidFill>
-            <a:srgbClr val="C00000"/>
-          </a:solidFill>
-          <a:ln w="38100">
+        </p:grpSpPr>
+        <p:grpSp>
+          <p:nvGrpSpPr>
+            <p:cNvPr id="2" name="Group 1"/>
+            <p:cNvGrpSpPr/>
+            <p:nvPr/>
+          </p:nvGrpSpPr>
+          <p:grpSpPr>
+            <a:xfrm>
+              <a:off x="6310790" y="3428248"/>
+              <a:ext cx="838200" cy="838200"/>
+              <a:chOff x="6310790" y="3428248"/>
+              <a:chExt cx="838200" cy="838200"/>
+            </a:xfrm>
+          </p:grpSpPr>
+          <p:sp>
+            <p:nvSpPr>
+              <p:cNvPr id="167" name="Rectangle 166"/>
+              <p:cNvSpPr/>
+              <p:nvPr/>
+            </p:nvSpPr>
+            <p:spPr>
+              <a:xfrm>
+                <a:off x="6310790" y="3428248"/>
+                <a:ext cx="838200" cy="838200"/>
+              </a:xfrm>
+              <a:prstGeom prst="rect">
+                <a:avLst/>
+              </a:prstGeom>
+              <a:noFill/>
+              <a:ln>
+                <a:noFill/>
+              </a:ln>
+            </p:spPr>
+            <p:style>
+              <a:lnRef idx="2">
+                <a:schemeClr val="accent1">
+                  <a:shade val="50000"/>
+                </a:schemeClr>
+              </a:lnRef>
+              <a:fillRef idx="1">
+                <a:schemeClr val="accent1"/>
+              </a:fillRef>
+              <a:effectRef idx="0">
+                <a:schemeClr val="accent1"/>
+              </a:effectRef>
+              <a:fontRef idx="minor">
+                <a:schemeClr val="lt1"/>
+              </a:fontRef>
+            </p:style>
+            <p:txBody>
+              <a:bodyPr rtlCol="0" anchor="ctr"/>
+              <a:lstStyle/>
+              <a:p>
+                <a:pPr algn="ctr"/>
+                <a:endParaRPr lang="en-SG"/>
+              </a:p>
+            </p:txBody>
+          </p:sp>
+          <p:grpSp>
+            <p:nvGrpSpPr>
+              <p:cNvPr id="168" name="Group 167"/>
+              <p:cNvGrpSpPr/>
+              <p:nvPr/>
+            </p:nvGrpSpPr>
+            <p:grpSpPr>
+              <a:xfrm>
+                <a:off x="6357564" y="3499693"/>
+                <a:ext cx="741789" cy="696858"/>
+                <a:chOff x="3234064" y="1178480"/>
+                <a:chExt cx="741789" cy="559065"/>
+              </a:xfrm>
+            </p:grpSpPr>
+            <p:sp>
+              <p:nvSpPr>
+                <p:cNvPr id="169" name="Rectangle 168"/>
+                <p:cNvSpPr/>
+                <p:nvPr/>
+              </p:nvSpPr>
+              <p:spPr>
+                <a:xfrm>
+                  <a:off x="3234064" y="1178480"/>
+                  <a:ext cx="741789" cy="559065"/>
+                </a:xfrm>
+                <a:prstGeom prst="rect">
+                  <a:avLst/>
+                </a:prstGeom>
+                <a:solidFill>
+                  <a:srgbClr val="0070C0"/>
+                </a:solidFill>
+                <a:ln>
+                  <a:noFill/>
+                </a:ln>
+              </p:spPr>
+              <p:style>
+                <a:lnRef idx="2">
+                  <a:schemeClr val="accent1">
+                    <a:shade val="50000"/>
+                  </a:schemeClr>
+                </a:lnRef>
+                <a:fillRef idx="1">
+                  <a:schemeClr val="accent1"/>
+                </a:fillRef>
+                <a:effectRef idx="0">
+                  <a:schemeClr val="accent1"/>
+                </a:effectRef>
+                <a:fontRef idx="minor">
+                  <a:schemeClr val="lt1"/>
+                </a:fontRef>
+              </p:style>
+              <p:txBody>
+                <a:bodyPr rtlCol="0" anchor="ctr"/>
+                <a:lstStyle/>
+                <a:p>
+                  <a:pPr algn="ctr"/>
+                  <a:endParaRPr lang="en-US"/>
+                </a:p>
+              </p:txBody>
+            </p:sp>
+            <p:grpSp>
+              <p:nvGrpSpPr>
+                <p:cNvPr id="170" name="Group 169"/>
+                <p:cNvGrpSpPr/>
+                <p:nvPr/>
+              </p:nvGrpSpPr>
+              <p:grpSpPr>
+                <a:xfrm>
+                  <a:off x="3357392" y="1259318"/>
+                  <a:ext cx="522207" cy="64353"/>
+                  <a:chOff x="3370502" y="2494280"/>
+                  <a:chExt cx="522207" cy="64353"/>
+                </a:xfrm>
+              </p:grpSpPr>
+              <p:sp>
+                <p:nvSpPr>
+                  <p:cNvPr id="186" name="Rounded Rectangle 182"/>
+                  <p:cNvSpPr/>
+                  <p:nvPr/>
+                </p:nvSpPr>
+                <p:spPr>
+                  <a:xfrm>
+                    <a:off x="3483859" y="2494280"/>
+                    <a:ext cx="408850" cy="64353"/>
+                  </a:xfrm>
+                  <a:prstGeom prst="roundRect">
+                    <a:avLst/>
+                  </a:prstGeom>
+                  <a:solidFill>
+                    <a:schemeClr val="bg1"/>
+                  </a:solidFill>
+                  <a:ln>
+                    <a:noFill/>
+                  </a:ln>
+                </p:spPr>
+                <p:style>
+                  <a:lnRef idx="2">
+                    <a:schemeClr val="accent1">
+                      <a:shade val="50000"/>
+                    </a:schemeClr>
+                  </a:lnRef>
+                  <a:fillRef idx="1">
+                    <a:schemeClr val="accent1"/>
+                  </a:fillRef>
+                  <a:effectRef idx="0">
+                    <a:schemeClr val="accent1"/>
+                  </a:effectRef>
+                  <a:fontRef idx="minor">
+                    <a:schemeClr val="lt1"/>
+                  </a:fontRef>
+                </p:style>
+                <p:txBody>
+                  <a:bodyPr rtlCol="0" anchor="ctr"/>
+                  <a:lstStyle/>
+                  <a:p>
+                    <a:pPr algn="ctr"/>
+                    <a:endParaRPr lang="en-US"/>
+                  </a:p>
+                </p:txBody>
+              </p:sp>
+              <p:sp>
+                <p:nvSpPr>
+                  <p:cNvPr id="199" name="Rounded Rectangle 183"/>
+                  <p:cNvSpPr/>
+                  <p:nvPr/>
+                </p:nvSpPr>
+                <p:spPr>
+                  <a:xfrm>
+                    <a:off x="3370502" y="2494280"/>
+                    <a:ext cx="51086" cy="64353"/>
+                  </a:xfrm>
+                  <a:prstGeom prst="roundRect">
+                    <a:avLst/>
+                  </a:prstGeom>
+                  <a:solidFill>
+                    <a:schemeClr val="bg1"/>
+                  </a:solidFill>
+                  <a:ln>
+                    <a:noFill/>
+                  </a:ln>
+                </p:spPr>
+                <p:style>
+                  <a:lnRef idx="2">
+                    <a:schemeClr val="accent1">
+                      <a:shade val="50000"/>
+                    </a:schemeClr>
+                  </a:lnRef>
+                  <a:fillRef idx="1">
+                    <a:schemeClr val="accent1"/>
+                  </a:fillRef>
+                  <a:effectRef idx="0">
+                    <a:schemeClr val="accent1"/>
+                  </a:effectRef>
+                  <a:fontRef idx="minor">
+                    <a:schemeClr val="lt1"/>
+                  </a:fontRef>
+                </p:style>
+                <p:txBody>
+                  <a:bodyPr rtlCol="0" anchor="ctr"/>
+                  <a:lstStyle/>
+                  <a:p>
+                    <a:pPr algn="ctr"/>
+                    <a:endParaRPr lang="en-US"/>
+                  </a:p>
+                </p:txBody>
+              </p:sp>
+            </p:grpSp>
+            <p:grpSp>
+              <p:nvGrpSpPr>
+                <p:cNvPr id="171" name="Group 170"/>
+                <p:cNvGrpSpPr/>
+                <p:nvPr/>
+              </p:nvGrpSpPr>
+              <p:grpSpPr>
+                <a:xfrm>
+                  <a:off x="3360256" y="1607340"/>
+                  <a:ext cx="522207" cy="64353"/>
+                  <a:chOff x="3373366" y="2880398"/>
+                  <a:chExt cx="522207" cy="64353"/>
+                </a:xfrm>
+              </p:grpSpPr>
+              <p:sp>
+                <p:nvSpPr>
+                  <p:cNvPr id="184" name="Rounded Rectangle 178"/>
+                  <p:cNvSpPr/>
+                  <p:nvPr/>
+                </p:nvSpPr>
+                <p:spPr>
+                  <a:xfrm>
+                    <a:off x="3486723" y="2880398"/>
+                    <a:ext cx="408850" cy="64353"/>
+                  </a:xfrm>
+                  <a:prstGeom prst="roundRect">
+                    <a:avLst/>
+                  </a:prstGeom>
+                  <a:solidFill>
+                    <a:schemeClr val="bg1"/>
+                  </a:solidFill>
+                  <a:ln>
+                    <a:noFill/>
+                  </a:ln>
+                </p:spPr>
+                <p:style>
+                  <a:lnRef idx="2">
+                    <a:schemeClr val="accent1">
+                      <a:shade val="50000"/>
+                    </a:schemeClr>
+                  </a:lnRef>
+                  <a:fillRef idx="1">
+                    <a:schemeClr val="accent1"/>
+                  </a:fillRef>
+                  <a:effectRef idx="0">
+                    <a:schemeClr val="accent1"/>
+                  </a:effectRef>
+                  <a:fontRef idx="minor">
+                    <a:schemeClr val="lt1"/>
+                  </a:fontRef>
+                </p:style>
+                <p:txBody>
+                  <a:bodyPr rtlCol="0" anchor="ctr"/>
+                  <a:lstStyle/>
+                  <a:p>
+                    <a:pPr algn="ctr"/>
+                    <a:endParaRPr lang="en-US"/>
+                  </a:p>
+                </p:txBody>
+              </p:sp>
+              <p:sp>
+                <p:nvSpPr>
+                  <p:cNvPr id="185" name="Rounded Rectangle 179"/>
+                  <p:cNvSpPr/>
+                  <p:nvPr/>
+                </p:nvSpPr>
+                <p:spPr>
+                  <a:xfrm>
+                    <a:off x="3373366" y="2880398"/>
+                    <a:ext cx="51086" cy="64353"/>
+                  </a:xfrm>
+                  <a:prstGeom prst="roundRect">
+                    <a:avLst/>
+                  </a:prstGeom>
+                  <a:solidFill>
+                    <a:schemeClr val="bg1"/>
+                  </a:solidFill>
+                  <a:ln>
+                    <a:noFill/>
+                  </a:ln>
+                </p:spPr>
+                <p:style>
+                  <a:lnRef idx="2">
+                    <a:schemeClr val="accent1">
+                      <a:shade val="50000"/>
+                    </a:schemeClr>
+                  </a:lnRef>
+                  <a:fillRef idx="1">
+                    <a:schemeClr val="accent1"/>
+                  </a:fillRef>
+                  <a:effectRef idx="0">
+                    <a:schemeClr val="accent1"/>
+                  </a:effectRef>
+                  <a:fontRef idx="minor">
+                    <a:schemeClr val="lt1"/>
+                  </a:fontRef>
+                </p:style>
+                <p:txBody>
+                  <a:bodyPr rtlCol="0" anchor="ctr"/>
+                  <a:lstStyle/>
+                  <a:p>
+                    <a:pPr algn="ctr"/>
+                    <a:endParaRPr lang="en-US"/>
+                  </a:p>
+                </p:txBody>
+              </p:sp>
+            </p:grpSp>
+            <p:sp>
+              <p:nvSpPr>
+                <p:cNvPr id="172" name="Rectangle 171"/>
+                <p:cNvSpPr/>
+                <p:nvPr/>
+              </p:nvSpPr>
+              <p:spPr>
+                <a:xfrm>
+                  <a:off x="3234064" y="1385222"/>
+                  <a:ext cx="741789" cy="152818"/>
+                </a:xfrm>
+                <a:prstGeom prst="rect">
+                  <a:avLst/>
+                </a:prstGeom>
+                <a:solidFill>
+                  <a:srgbClr val="F79646"/>
+                </a:solidFill>
+                <a:ln>
+                  <a:noFill/>
+                </a:ln>
+              </p:spPr>
+              <p:style>
+                <a:lnRef idx="2">
+                  <a:schemeClr val="accent1">
+                    <a:shade val="50000"/>
+                  </a:schemeClr>
+                </a:lnRef>
+                <a:fillRef idx="1">
+                  <a:schemeClr val="accent1"/>
+                </a:fillRef>
+                <a:effectRef idx="0">
+                  <a:schemeClr val="accent1"/>
+                </a:effectRef>
+                <a:fontRef idx="minor">
+                  <a:schemeClr val="lt1"/>
+                </a:fontRef>
+              </p:style>
+              <p:txBody>
+                <a:bodyPr rtlCol="0" anchor="ctr"/>
+                <a:lstStyle/>
+                <a:p>
+                  <a:pPr algn="ctr"/>
+                  <a:endParaRPr lang="en-SG"/>
+                </a:p>
+              </p:txBody>
+            </p:sp>
+            <p:grpSp>
+              <p:nvGrpSpPr>
+                <p:cNvPr id="173" name="Group 172"/>
+                <p:cNvGrpSpPr/>
+                <p:nvPr/>
+              </p:nvGrpSpPr>
+              <p:grpSpPr>
+                <a:xfrm>
+                  <a:off x="3360601" y="1433329"/>
+                  <a:ext cx="522207" cy="64353"/>
+                  <a:chOff x="3373711" y="2751692"/>
+                  <a:chExt cx="522207" cy="64353"/>
+                </a:xfrm>
+                <a:solidFill>
+                  <a:schemeClr val="bg1"/>
+                </a:solidFill>
+              </p:grpSpPr>
+              <p:sp>
+                <p:nvSpPr>
+                  <p:cNvPr id="182" name="Rounded Rectangle 180"/>
+                  <p:cNvSpPr/>
+                  <p:nvPr/>
+                </p:nvSpPr>
+                <p:spPr>
+                  <a:xfrm>
+                    <a:off x="3487068" y="2751692"/>
+                    <a:ext cx="408850" cy="64353"/>
+                  </a:xfrm>
+                  <a:prstGeom prst="roundRect">
+                    <a:avLst/>
+                  </a:prstGeom>
+                  <a:grpFill/>
+                  <a:ln>
+                    <a:noFill/>
+                  </a:ln>
+                </p:spPr>
+                <p:style>
+                  <a:lnRef idx="2">
+                    <a:schemeClr val="accent1">
+                      <a:shade val="50000"/>
+                    </a:schemeClr>
+                  </a:lnRef>
+                  <a:fillRef idx="1">
+                    <a:schemeClr val="accent1"/>
+                  </a:fillRef>
+                  <a:effectRef idx="0">
+                    <a:schemeClr val="accent1"/>
+                  </a:effectRef>
+                  <a:fontRef idx="minor">
+                    <a:schemeClr val="lt1"/>
+                  </a:fontRef>
+                </p:style>
+                <p:txBody>
+                  <a:bodyPr rtlCol="0" anchor="ctr"/>
+                  <a:lstStyle/>
+                  <a:p>
+                    <a:pPr algn="ctr"/>
+                    <a:endParaRPr lang="en-US"/>
+                  </a:p>
+                </p:txBody>
+              </p:sp>
+              <p:sp>
+                <p:nvSpPr>
+                  <p:cNvPr id="183" name="Rounded Rectangle 181"/>
+                  <p:cNvSpPr/>
+                  <p:nvPr/>
+                </p:nvSpPr>
+                <p:spPr>
+                  <a:xfrm>
+                    <a:off x="3373711" y="2751692"/>
+                    <a:ext cx="51086" cy="64353"/>
+                  </a:xfrm>
+                  <a:prstGeom prst="roundRect">
+                    <a:avLst/>
+                  </a:prstGeom>
+                  <a:grpFill/>
+                  <a:ln>
+                    <a:noFill/>
+                  </a:ln>
+                </p:spPr>
+                <p:style>
+                  <a:lnRef idx="2">
+                    <a:schemeClr val="accent1">
+                      <a:shade val="50000"/>
+                    </a:schemeClr>
+                  </a:lnRef>
+                  <a:fillRef idx="1">
+                    <a:schemeClr val="accent1"/>
+                  </a:fillRef>
+                  <a:effectRef idx="0">
+                    <a:schemeClr val="accent1"/>
+                  </a:effectRef>
+                  <a:fontRef idx="minor">
+                    <a:schemeClr val="lt1"/>
+                  </a:fontRef>
+                </p:style>
+                <p:txBody>
+                  <a:bodyPr rtlCol="0" anchor="ctr"/>
+                  <a:lstStyle/>
+                  <a:p>
+                    <a:pPr algn="ctr"/>
+                    <a:endParaRPr lang="en-US"/>
+                  </a:p>
+                </p:txBody>
+              </p:sp>
+            </p:grpSp>
+          </p:grpSp>
+        </p:grpSp>
+        <p:sp>
+          <p:nvSpPr>
+            <p:cNvPr id="201" name="Plus 167"/>
+            <p:cNvSpPr>
+              <a:spLocks noChangeAspect="1"/>
+            </p:cNvSpPr>
+            <p:nvPr/>
+          </p:nvSpPr>
+          <p:spPr>
+            <a:xfrm rot="2789166">
+              <a:off x="6643332" y="3745779"/>
+              <a:ext cx="581820" cy="581820"/>
+            </a:xfrm>
+            <a:prstGeom prst="mathPlus">
+              <a:avLst/>
+            </a:prstGeom>
             <a:solidFill>
-              <a:schemeClr val="bg1"/>
+              <a:srgbClr val="C00000"/>
             </a:solidFill>
-          </a:ln>
-        </p:spPr>
-        <p:style>
-          <a:lnRef idx="2">
-            <a:schemeClr val="accent1">
-              <a:shade val="50000"/>
-            </a:schemeClr>
-          </a:lnRef>
-          <a:fillRef idx="1">
-            <a:schemeClr val="accent1"/>
-          </a:fillRef>
-          <a:effectRef idx="0">
-            <a:schemeClr val="accent1"/>
-          </a:effectRef>
-          <a:fontRef idx="minor">
-            <a:schemeClr val="lt1"/>
-          </a:fontRef>
-        </p:style>
-        <p:txBody>
-          <a:bodyPr rtlCol="0" anchor="ctr"/>
-          <a:lstStyle/>
-          <a:p>
-            <a:pPr algn="ctr"/>
-            <a:endParaRPr lang="en-US"/>
-          </a:p>
-        </p:txBody>
-      </p:sp>
+            <a:ln w="38100">
+              <a:solidFill>
+                <a:schemeClr val="bg1"/>
+              </a:solidFill>
+            </a:ln>
+          </p:spPr>
+          <p:style>
+            <a:lnRef idx="2">
+              <a:schemeClr val="accent1">
+                <a:shade val="50000"/>
+              </a:schemeClr>
+            </a:lnRef>
+            <a:fillRef idx="1">
+              <a:schemeClr val="accent1"/>
+            </a:fillRef>
+            <a:effectRef idx="0">
+              <a:schemeClr val="accent1"/>
+            </a:effectRef>
+            <a:fontRef idx="minor">
+              <a:schemeClr val="lt1"/>
+            </a:fontRef>
+          </p:style>
+          <p:txBody>
+            <a:bodyPr rtlCol="0" anchor="ctr"/>
+            <a:lstStyle/>
+            <a:p>
+              <a:pPr algn="ctr"/>
+              <a:endParaRPr lang="en-US"/>
+            </a:p>
+          </p:txBody>
+        </p:sp>
+      </p:grpSp>
       <p:grpSp>
         <p:nvGrpSpPr>
           <p:cNvPr id="205" name="Group 204"/>
@@ -6144,7 +6174,7 @@
       </p:grpSp>
       <p:sp>
         <p:nvSpPr>
-          <p:cNvPr id="234" name="Rectangle 233"/>
+          <p:cNvPr id="234" name="Rectangle: Rounded Corners 233"/>
           <p:cNvSpPr/>
           <p:nvPr/>
         </p:nvSpPr>
@@ -6153,7 +6183,7 @@
             <a:off x="3515999" y="1907786"/>
             <a:ext cx="328108" cy="76721"/>
           </a:xfrm>
-          <a:prstGeom prst="rect">
+          <a:prstGeom prst="roundRect">
             <a:avLst/>
           </a:prstGeom>
           <a:solidFill>
@@ -6190,7 +6220,7 @@
       </p:sp>
       <p:sp>
         <p:nvSpPr>
-          <p:cNvPr id="235" name="Rectangle 234"/>
+          <p:cNvPr id="235" name="Rectangle: Rounded Corners 234"/>
           <p:cNvSpPr/>
           <p:nvPr/>
         </p:nvSpPr>
@@ -6199,7 +6229,7 @@
             <a:off x="3396755" y="1907787"/>
             <a:ext cx="75984" cy="76720"/>
           </a:xfrm>
-          <a:prstGeom prst="rect">
+          <a:prstGeom prst="roundRect">
             <a:avLst/>
           </a:prstGeom>
           <a:solidFill>
@@ -6236,7 +6266,7 @@
       </p:sp>
       <p:sp>
         <p:nvSpPr>
-          <p:cNvPr id="236" name="Rectangle 235"/>
+          <p:cNvPr id="236" name="Rectangle: Rounded Corners 235"/>
           <p:cNvSpPr/>
           <p:nvPr/>
         </p:nvSpPr>
@@ -6245,7 +6275,7 @@
             <a:off x="3515999" y="2225563"/>
             <a:ext cx="328108" cy="76721"/>
           </a:xfrm>
-          <a:prstGeom prst="rect">
+          <a:prstGeom prst="roundRect">
             <a:avLst/>
           </a:prstGeom>
           <a:solidFill>
@@ -6282,7 +6312,7 @@
       </p:sp>
       <p:sp>
         <p:nvSpPr>
-          <p:cNvPr id="237" name="Rectangle 236"/>
+          <p:cNvPr id="237" name="Rectangle: Rounded Corners 236"/>
           <p:cNvSpPr/>
           <p:nvPr/>
         </p:nvSpPr>
@@ -6291,7 +6321,7 @@
             <a:off x="3396755" y="2225564"/>
             <a:ext cx="75984" cy="76720"/>
           </a:xfrm>
-          <a:prstGeom prst="rect">
+          <a:prstGeom prst="roundRect">
             <a:avLst/>
           </a:prstGeom>
           <a:solidFill>
@@ -6328,7 +6358,7 @@
       </p:sp>
       <p:sp>
         <p:nvSpPr>
-          <p:cNvPr id="238" name="Rectangle 237"/>
+          <p:cNvPr id="238" name="Rectangle: Rounded Corners 237"/>
           <p:cNvSpPr/>
           <p:nvPr/>
         </p:nvSpPr>
@@ -6337,7 +6367,7 @@
             <a:off x="3515999" y="2065205"/>
             <a:ext cx="328108" cy="76721"/>
           </a:xfrm>
-          <a:prstGeom prst="rect">
+          <a:prstGeom prst="roundRect">
             <a:avLst/>
           </a:prstGeom>
           <a:solidFill>
@@ -6374,7 +6404,7 @@
       </p:sp>
       <p:sp>
         <p:nvSpPr>
-          <p:cNvPr id="239" name="Rectangle 238"/>
+          <p:cNvPr id="239" name="Rectangle: Rounded Corners 238"/>
           <p:cNvSpPr/>
           <p:nvPr/>
         </p:nvSpPr>
@@ -6383,7 +6413,7 @@
             <a:off x="3396755" y="2065206"/>
             <a:ext cx="75984" cy="76720"/>
           </a:xfrm>
-          <a:prstGeom prst="rect">
+          <a:prstGeom prst="roundRect">
             <a:avLst/>
           </a:prstGeom>
           <a:solidFill>
